--- a/Projekt Feladat (1).pptx
+++ b/Projekt Feladat (1).pptx
@@ -7,39 +7,19 @@
   <p:sldIdLst>
     <p:sldId id="256" r:id="rId2"/>
     <p:sldId id="257" r:id="rId3"/>
-    <p:sldId id="272" r:id="rId4"/>
-    <p:sldId id="273" r:id="rId5"/>
-    <p:sldId id="258" r:id="rId6"/>
-    <p:sldId id="276" r:id="rId7"/>
-    <p:sldId id="270" r:id="rId8"/>
-    <p:sldId id="279" r:id="rId9"/>
-    <p:sldId id="280" r:id="rId10"/>
-    <p:sldId id="281" r:id="rId11"/>
-    <p:sldId id="282" r:id="rId12"/>
-    <p:sldId id="283" r:id="rId13"/>
-    <p:sldId id="284" r:id="rId14"/>
-    <p:sldId id="285" r:id="rId15"/>
-    <p:sldId id="286" r:id="rId16"/>
-    <p:sldId id="287" r:id="rId17"/>
-    <p:sldId id="288" r:id="rId18"/>
-    <p:sldId id="259" r:id="rId19"/>
-    <p:sldId id="266" r:id="rId20"/>
-    <p:sldId id="260" r:id="rId21"/>
-    <p:sldId id="261" r:id="rId22"/>
-    <p:sldId id="262" r:id="rId23"/>
-    <p:sldId id="263" r:id="rId24"/>
-    <p:sldId id="264" r:id="rId25"/>
-    <p:sldId id="265" r:id="rId26"/>
-    <p:sldId id="277" r:id="rId27"/>
-    <p:sldId id="275" r:id="rId28"/>
-    <p:sldId id="294" r:id="rId29"/>
-    <p:sldId id="293" r:id="rId30"/>
-    <p:sldId id="278" r:id="rId31"/>
-    <p:sldId id="274" r:id="rId32"/>
-    <p:sldId id="289" r:id="rId33"/>
-    <p:sldId id="290" r:id="rId34"/>
-    <p:sldId id="291" r:id="rId35"/>
-    <p:sldId id="292" r:id="rId36"/>
+    <p:sldId id="258" r:id="rId4"/>
+    <p:sldId id="259" r:id="rId5"/>
+    <p:sldId id="266" r:id="rId6"/>
+    <p:sldId id="260" r:id="rId7"/>
+    <p:sldId id="261" r:id="rId8"/>
+    <p:sldId id="262" r:id="rId9"/>
+    <p:sldId id="263" r:id="rId10"/>
+    <p:sldId id="264" r:id="rId11"/>
+    <p:sldId id="265" r:id="rId12"/>
+    <p:sldId id="267" r:id="rId13"/>
+    <p:sldId id="268" r:id="rId14"/>
+    <p:sldId id="269" r:id="rId15"/>
+    <p:sldId id="270" r:id="rId16"/>
   </p:sldIdLst>
   <p:sldSz cx="12192000" cy="6858000"/>
   <p:notesSz cx="6858000" cy="9144000"/>
@@ -871,7 +851,7 @@
             <a:fld id="{B61BEF0D-F0BB-DE4B-95CE-6DB70DBA9567}" type="datetimeFigureOut">
               <a:rPr lang="en-US" dirty="0"/>
               <a:pPr/>
-              <a:t>2/4/2026</a:t>
+              <a:t>1/30/2026</a:t>
             </a:fld>
             <a:endParaRPr lang="en-US" dirty="0"/>
           </a:p>
@@ -1119,7 +1099,7 @@
             <a:fld id="{B61BEF0D-F0BB-DE4B-95CE-6DB70DBA9567}" type="datetimeFigureOut">
               <a:rPr lang="en-US" dirty="0"/>
               <a:pPr/>
-              <a:t>2/4/2026</a:t>
+              <a:t>1/30/2026</a:t>
             </a:fld>
             <a:endParaRPr lang="en-US" dirty="0"/>
           </a:p>
@@ -1430,7 +1410,7 @@
             <a:fld id="{B61BEF0D-F0BB-DE4B-95CE-6DB70DBA9567}" type="datetimeFigureOut">
               <a:rPr lang="en-US" dirty="0"/>
               <a:pPr/>
-              <a:t>2/4/2026</a:t>
+              <a:t>1/30/2026</a:t>
             </a:fld>
             <a:endParaRPr lang="en-US" dirty="0"/>
           </a:p>
@@ -1754,7 +1734,7 @@
             <a:fld id="{B61BEF0D-F0BB-DE4B-95CE-6DB70DBA9567}" type="datetimeFigureOut">
               <a:rPr lang="en-US" dirty="0"/>
               <a:pPr/>
-              <a:t>2/4/2026</a:t>
+              <a:t>1/30/2026</a:t>
             </a:fld>
             <a:endParaRPr lang="en-US" dirty="0"/>
           </a:p>
@@ -2065,7 +2045,7 @@
             <a:fld id="{B61BEF0D-F0BB-DE4B-95CE-6DB70DBA9567}" type="datetimeFigureOut">
               <a:rPr lang="en-US" dirty="0"/>
               <a:pPr/>
-              <a:t>2/4/2026</a:t>
+              <a:t>1/30/2026</a:t>
             </a:fld>
             <a:endParaRPr lang="en-US" dirty="0"/>
           </a:p>
@@ -2449,7 +2429,7 @@
             <a:fld id="{B61BEF0D-F0BB-DE4B-95CE-6DB70DBA9567}" type="datetimeFigureOut">
               <a:rPr lang="en-US" dirty="0"/>
               <a:pPr/>
-              <a:t>2/4/2026</a:t>
+              <a:t>1/30/2026</a:t>
             </a:fld>
             <a:endParaRPr lang="en-US" dirty="0"/>
           </a:p>
@@ -2615,7 +2595,7 @@
           <a:p>
             <a:fld id="{55C6B4A9-1611-4792-9094-5F34BCA07E0B}" type="datetimeFigureOut">
               <a:rPr lang="en-US" dirty="0"/>
-              <a:t>2/4/2026</a:t>
+              <a:t>1/30/2026</a:t>
             </a:fld>
             <a:endParaRPr lang="en-US" dirty="0"/>
           </a:p>
@@ -2791,7 +2771,7 @@
             <a:fld id="{B61BEF0D-F0BB-DE4B-95CE-6DB70DBA9567}" type="datetimeFigureOut">
               <a:rPr lang="en-US" dirty="0"/>
               <a:pPr/>
-              <a:t>2/4/2026</a:t>
+              <a:t>1/30/2026</a:t>
             </a:fld>
             <a:endParaRPr lang="en-US" dirty="0"/>
           </a:p>
@@ -2964,7 +2944,7 @@
             <a:fld id="{B61BEF0D-F0BB-DE4B-95CE-6DB70DBA9567}" type="datetimeFigureOut">
               <a:rPr lang="en-US" dirty="0"/>
               <a:pPr/>
-              <a:t>2/4/2026</a:t>
+              <a:t>1/30/2026</a:t>
             </a:fld>
             <a:endParaRPr lang="en-US" dirty="0"/>
           </a:p>
@@ -3208,7 +3188,7 @@
             <a:fld id="{B61BEF0D-F0BB-DE4B-95CE-6DB70DBA9567}" type="datetimeFigureOut">
               <a:rPr lang="en-US" dirty="0"/>
               <a:pPr/>
-              <a:t>2/4/2026</a:t>
+              <a:t>1/30/2026</a:t>
             </a:fld>
             <a:endParaRPr lang="en-US" dirty="0"/>
           </a:p>
@@ -3436,7 +3416,7 @@
           <a:p>
             <a:fld id="{EB712588-04B1-427B-82EE-E8DB90309F08}" type="datetimeFigureOut">
               <a:rPr lang="en-US" dirty="0"/>
-              <a:t>2/4/2026</a:t>
+              <a:t>1/30/2026</a:t>
             </a:fld>
             <a:endParaRPr lang="en-US" dirty="0"/>
           </a:p>
@@ -3806,7 +3786,7 @@
             <a:fld id="{B61BEF0D-F0BB-DE4B-95CE-6DB70DBA9567}" type="datetimeFigureOut">
               <a:rPr lang="en-US" dirty="0"/>
               <a:pPr/>
-              <a:t>2/4/2026</a:t>
+              <a:t>1/30/2026</a:t>
             </a:fld>
             <a:endParaRPr lang="en-US" dirty="0"/>
           </a:p>
@@ -3926,7 +3906,7 @@
             <a:fld id="{B61BEF0D-F0BB-DE4B-95CE-6DB70DBA9567}" type="datetimeFigureOut">
               <a:rPr lang="en-US" dirty="0"/>
               <a:pPr/>
-              <a:t>2/4/2026</a:t>
+              <a:t>1/30/2026</a:t>
             </a:fld>
             <a:endParaRPr lang="en-US" dirty="0"/>
           </a:p>
@@ -4018,7 +3998,7 @@
             <a:fld id="{B61BEF0D-F0BB-DE4B-95CE-6DB70DBA9567}" type="datetimeFigureOut">
               <a:rPr lang="en-US" dirty="0"/>
               <a:pPr/>
-              <a:t>2/4/2026</a:t>
+              <a:t>1/30/2026</a:t>
             </a:fld>
             <a:endParaRPr lang="en-US" dirty="0"/>
           </a:p>
@@ -4269,7 +4249,7 @@
           <a:p>
             <a:fld id="{42A54C80-263E-416B-A8E0-580EDEADCBDC}" type="datetimeFigureOut">
               <a:rPr lang="en-US" dirty="0"/>
-              <a:t>2/4/2026</a:t>
+              <a:t>1/30/2026</a:t>
             </a:fld>
             <a:endParaRPr lang="en-US" dirty="0"/>
           </a:p>
@@ -4528,7 +4508,7 @@
             <a:fld id="{B61BEF0D-F0BB-DE4B-95CE-6DB70DBA9567}" type="datetimeFigureOut">
               <a:rPr lang="en-US" dirty="0"/>
               <a:pPr/>
-              <a:t>2/4/2026</a:t>
+              <a:t>1/30/2026</a:t>
             </a:fld>
             <a:endParaRPr lang="en-US" dirty="0"/>
           </a:p>
@@ -5270,7 +5250,7 @@
             <a:fld id="{B61BEF0D-F0BB-DE4B-95CE-6DB70DBA9567}" type="datetimeFigureOut">
               <a:rPr lang="en-US" dirty="0"/>
               <a:pPr/>
-              <a:t>2/4/2026</a:t>
+              <a:t>1/30/2026</a:t>
             </a:fld>
             <a:endParaRPr lang="en-US" dirty="0"/>
           </a:p>
@@ -5889,7 +5869,7 @@
           <p:cNvPr id="2" name="Cím 1">
             <a:extLst>
               <a:ext uri="{FF2B5EF4-FFF2-40B4-BE49-F238E27FC236}">
-                <a16:creationId xmlns:a16="http://schemas.microsoft.com/office/drawing/2014/main" id="{5185742F-2879-497D-9BD0-6E0B76FF5197}"/>
+                <a16:creationId xmlns:a16="http://schemas.microsoft.com/office/drawing/2014/main" id="{B3A8D8D6-C272-48DB-932C-2B2F426D63D2}"/>
               </a:ext>
             </a:extLst>
           </p:cNvPr>
@@ -5906,146 +5886,49 @@
           <a:lstStyle/>
           <a:p>
             <a:r>
-              <a:rPr lang="hu-HU" dirty="0"/>
-              <a:t>Alapkonfiguráció 8-as terem </a:t>
-            </a:r>
-            <a:r>
-              <a:rPr lang="hu-HU" dirty="0" err="1"/>
-              <a:t>switch</a:t>
+              <a:rPr lang="hu-HU" dirty="0" err="1"/>
+              <a:t>Titkarsag</a:t>
             </a:r>
             <a:endParaRPr lang="hu-HU" dirty="0"/>
           </a:p>
         </p:txBody>
       </p:sp>
-      <p:sp>
-        <p:nvSpPr>
-          <p:cNvPr id="3" name="Tartalom helye 2">
+      <p:pic>
+        <p:nvPicPr>
+          <p:cNvPr id="4" name="Tartalom helye 3">
             <a:extLst>
               <a:ext uri="{FF2B5EF4-FFF2-40B4-BE49-F238E27FC236}">
-                <a16:creationId xmlns:a16="http://schemas.microsoft.com/office/drawing/2014/main" id="{183449F3-72DD-4AD9-9B59-93A5DD70AE21}"/>
+                <a16:creationId xmlns:a16="http://schemas.microsoft.com/office/drawing/2014/main" id="{71D3FA0D-30CD-4E3B-BF8A-A5F9146DCC74}"/>
               </a:ext>
             </a:extLst>
           </p:cNvPr>
-          <p:cNvSpPr>
-            <a:spLocks noGrp="1"/>
-          </p:cNvSpPr>
+          <p:cNvPicPr>
+            <a:picLocks noGrp="1" noChangeAspect="1"/>
+          </p:cNvPicPr>
           <p:nvPr>
             <p:ph idx="1"/>
           </p:nvPr>
-        </p:nvSpPr>
-        <p:spPr/>
-        <p:txBody>
-          <a:bodyPr/>
-          <a:lstStyle/>
-          <a:p>
-            <a:r>
-              <a:rPr lang="hu-HU" dirty="0" err="1"/>
-              <a:t>hostname</a:t>
-            </a:r>
-            <a:r>
-              <a:rPr lang="hu-HU" dirty="0"/>
-              <a:t>: 8asterem</a:t>
-            </a:r>
-          </a:p>
-          <a:p>
-            <a:r>
-              <a:rPr lang="hu-HU" dirty="0" err="1"/>
-              <a:t>enable</a:t>
-            </a:r>
-            <a:r>
-              <a:rPr lang="hu-HU" dirty="0"/>
-              <a:t> </a:t>
-            </a:r>
-            <a:r>
-              <a:rPr lang="hu-HU" dirty="0" err="1"/>
-              <a:t>secret</a:t>
-            </a:r>
-            <a:r>
-              <a:rPr lang="hu-HU" dirty="0"/>
-              <a:t>: </a:t>
-            </a:r>
-            <a:r>
-              <a:rPr lang="hu-HU" dirty="0" err="1"/>
-              <a:t>cisco</a:t>
-            </a:r>
-            <a:endParaRPr lang="hu-HU" dirty="0"/>
-          </a:p>
-          <a:p>
-            <a:r>
-              <a:rPr lang="hu-HU" dirty="0" err="1"/>
-              <a:t>Ip</a:t>
-            </a:r>
-            <a:r>
-              <a:rPr lang="hu-HU" dirty="0"/>
-              <a:t> </a:t>
-            </a:r>
-            <a:r>
-              <a:rPr lang="hu-HU" dirty="0" err="1"/>
-              <a:t>domain-name</a:t>
-            </a:r>
-            <a:r>
-              <a:rPr lang="hu-HU" dirty="0"/>
-              <a:t>: karacs.s8.hu</a:t>
-            </a:r>
-          </a:p>
-          <a:p>
-            <a:r>
-              <a:rPr lang="hu-HU" dirty="0" err="1"/>
-              <a:t>Username</a:t>
-            </a:r>
-            <a:r>
-              <a:rPr lang="hu-HU" dirty="0"/>
-              <a:t>: </a:t>
-            </a:r>
-            <a:r>
-              <a:rPr lang="hu-HU" dirty="0" err="1"/>
-              <a:t>admin</a:t>
-            </a:r>
-            <a:r>
-              <a:rPr lang="hu-HU" dirty="0"/>
-              <a:t> </a:t>
-            </a:r>
-            <a:r>
-              <a:rPr lang="hu-HU" dirty="0" err="1"/>
-              <a:t>password</a:t>
-            </a:r>
-            <a:r>
-              <a:rPr lang="hu-HU" dirty="0"/>
-              <a:t>: </a:t>
-            </a:r>
-            <a:r>
-              <a:rPr lang="hu-HU" dirty="0" err="1"/>
-              <a:t>cisco</a:t>
-            </a:r>
-            <a:endParaRPr lang="hu-HU" dirty="0"/>
-          </a:p>
-          <a:p>
-            <a:r>
-              <a:rPr lang="hu-HU" dirty="0" err="1"/>
-              <a:t>Ip</a:t>
-            </a:r>
-            <a:r>
-              <a:rPr lang="hu-HU" dirty="0"/>
-              <a:t> </a:t>
-            </a:r>
-            <a:r>
-              <a:rPr lang="hu-HU" dirty="0" err="1"/>
-              <a:t>default-gateway</a:t>
-            </a:r>
-            <a:r>
-              <a:rPr lang="hu-HU" dirty="0"/>
-              <a:t>: 192.168.99.1</a:t>
-            </a:r>
-          </a:p>
-          <a:p>
-            <a:endParaRPr lang="hu-HU" dirty="0"/>
-          </a:p>
-        </p:txBody>
-      </p:sp>
+        </p:nvPicPr>
+        <p:blipFill>
+          <a:blip r:embed="rId2"/>
+          <a:stretch>
+            <a:fillRect/>
+          </a:stretch>
+        </p:blipFill>
+        <p:spPr>
+          <a:xfrm>
+            <a:off x="677334" y="2561667"/>
+            <a:ext cx="9360644" cy="1734665"/>
+          </a:xfrm>
+          <a:prstGeom prst="rect">
+            <a:avLst/>
+          </a:prstGeom>
+        </p:spPr>
+      </p:pic>
     </p:spTree>
     <p:extLst>
       <p:ext uri="{BB962C8B-B14F-4D97-AF65-F5344CB8AC3E}">
-        <p14:creationId xmlns:p14="http://schemas.microsoft.com/office/powerpoint/2010/main" val="63264387"/>
+        <p14:creationId xmlns:p14="http://schemas.microsoft.com/office/powerpoint/2010/main" val="3694272792"/>
       </p:ext>
     </p:extLst>
   </p:cSld>
@@ -6077,7 +5960,7 @@
           <p:cNvPr id="2" name="Cím 1">
             <a:extLst>
               <a:ext uri="{FF2B5EF4-FFF2-40B4-BE49-F238E27FC236}">
-                <a16:creationId xmlns:a16="http://schemas.microsoft.com/office/drawing/2014/main" id="{3637FE24-3896-4063-8810-097AE9B153C1}"/>
+                <a16:creationId xmlns:a16="http://schemas.microsoft.com/office/drawing/2014/main" id="{7EF5E8EC-5E7F-4CAC-AF2B-7384DE9ED2F3}"/>
               </a:ext>
             </a:extLst>
           </p:cNvPr>
@@ -6094,12 +5977,8 @@
           <a:lstStyle/>
           <a:p>
             <a:r>
-              <a:rPr lang="hu-HU" dirty="0"/>
-              <a:t>Alapkonfiguráció folyosó </a:t>
-            </a:r>
-            <a:r>
-              <a:rPr lang="hu-HU" dirty="0" err="1"/>
-              <a:t>switch</a:t>
+              <a:rPr lang="hu-HU" dirty="0" err="1"/>
+              <a:t>Tanari</a:t>
             </a:r>
             <a:endParaRPr lang="hu-HU" dirty="0"/>
           </a:p>
@@ -6110,7 +5989,7 @@
           <p:cNvPr id="3" name="Tartalom helye 2">
             <a:extLst>
               <a:ext uri="{FF2B5EF4-FFF2-40B4-BE49-F238E27FC236}">
-                <a16:creationId xmlns:a16="http://schemas.microsoft.com/office/drawing/2014/main" id="{0352EAC4-AA1E-4A4C-8234-9A684888F973}"/>
+                <a16:creationId xmlns:a16="http://schemas.microsoft.com/office/drawing/2014/main" id="{B15F617B-5907-4E63-8D75-1E3FE8980D1F}"/>
               </a:ext>
             </a:extLst>
           </p:cNvPr>
@@ -6126,119 +6005,44 @@
           <a:bodyPr/>
           <a:lstStyle/>
           <a:p>
-            <a:r>
-              <a:rPr lang="hu-HU" dirty="0" err="1"/>
-              <a:t>hostname</a:t>
-            </a:r>
-            <a:r>
-              <a:rPr lang="hu-HU" dirty="0"/>
-              <a:t>: </a:t>
-            </a:r>
-            <a:r>
-              <a:rPr lang="hu-HU" dirty="0" err="1"/>
-              <a:t>folyoso</a:t>
-            </a:r>
-            <a:endParaRPr lang="hu-HU" dirty="0"/>
-          </a:p>
-          <a:p>
-            <a:r>
-              <a:rPr lang="hu-HU" dirty="0" err="1"/>
-              <a:t>enable</a:t>
-            </a:r>
-            <a:r>
-              <a:rPr lang="hu-HU" dirty="0"/>
-              <a:t> </a:t>
-            </a:r>
-            <a:r>
-              <a:rPr lang="hu-HU" dirty="0" err="1"/>
-              <a:t>secret</a:t>
-            </a:r>
-            <a:r>
-              <a:rPr lang="hu-HU" dirty="0"/>
-              <a:t>: </a:t>
-            </a:r>
-            <a:r>
-              <a:rPr lang="hu-HU" dirty="0" err="1"/>
-              <a:t>cisco</a:t>
-            </a:r>
-            <a:endParaRPr lang="hu-HU" dirty="0"/>
-          </a:p>
-          <a:p>
-            <a:r>
-              <a:rPr lang="hu-HU" dirty="0" err="1"/>
-              <a:t>Ip</a:t>
-            </a:r>
-            <a:r>
-              <a:rPr lang="hu-HU" dirty="0"/>
-              <a:t> </a:t>
-            </a:r>
-            <a:r>
-              <a:rPr lang="hu-HU" dirty="0" err="1"/>
-              <a:t>domain-name</a:t>
-            </a:r>
-            <a:r>
-              <a:rPr lang="hu-HU" dirty="0"/>
-              <a:t>: karacs.folyoso.hu</a:t>
-            </a:r>
-          </a:p>
-          <a:p>
-            <a:r>
-              <a:rPr lang="hu-HU" dirty="0" err="1"/>
-              <a:t>Username</a:t>
-            </a:r>
-            <a:r>
-              <a:rPr lang="hu-HU" dirty="0"/>
-              <a:t>: </a:t>
-            </a:r>
-            <a:r>
-              <a:rPr lang="hu-HU" dirty="0" err="1"/>
-              <a:t>admin</a:t>
-            </a:r>
-            <a:r>
-              <a:rPr lang="hu-HU" dirty="0"/>
-              <a:t> </a:t>
-            </a:r>
-            <a:r>
-              <a:rPr lang="hu-HU" dirty="0" err="1"/>
-              <a:t>password</a:t>
-            </a:r>
-            <a:r>
-              <a:rPr lang="hu-HU" dirty="0"/>
-              <a:t>: </a:t>
-            </a:r>
-            <a:r>
-              <a:rPr lang="hu-HU" dirty="0" err="1"/>
-              <a:t>cisco</a:t>
-            </a:r>
-            <a:endParaRPr lang="hu-HU" dirty="0"/>
-          </a:p>
-          <a:p>
-            <a:r>
-              <a:rPr lang="hu-HU" dirty="0" err="1"/>
-              <a:t>Ip</a:t>
-            </a:r>
-            <a:r>
-              <a:rPr lang="hu-HU" dirty="0"/>
-              <a:t> </a:t>
-            </a:r>
-            <a:r>
-              <a:rPr lang="hu-HU" dirty="0" err="1"/>
-              <a:t>default-gateway</a:t>
-            </a:r>
-            <a:r>
-              <a:rPr lang="hu-HU" dirty="0"/>
-              <a:t>: 192.168.99.1</a:t>
-            </a:r>
-          </a:p>
-          <a:p>
-            <a:endParaRPr lang="hu-HU" dirty="0"/>
-          </a:p>
-        </p:txBody>
-      </p:sp>
+            <a:endParaRPr lang="hu-HU"/>
+          </a:p>
+        </p:txBody>
+      </p:sp>
+      <p:pic>
+        <p:nvPicPr>
+          <p:cNvPr id="4" name="Kép 3">
+            <a:extLst>
+              <a:ext uri="{FF2B5EF4-FFF2-40B4-BE49-F238E27FC236}">
+                <a16:creationId xmlns:a16="http://schemas.microsoft.com/office/drawing/2014/main" id="{9F8123E0-7F31-4077-9A9C-80CD658C1143}"/>
+              </a:ext>
+            </a:extLst>
+          </p:cNvPr>
+          <p:cNvPicPr>
+            <a:picLocks noChangeAspect="1"/>
+          </p:cNvPicPr>
+          <p:nvPr/>
+        </p:nvPicPr>
+        <p:blipFill>
+          <a:blip r:embed="rId2"/>
+          <a:stretch>
+            <a:fillRect/>
+          </a:stretch>
+        </p:blipFill>
+        <p:spPr>
+          <a:xfrm>
+            <a:off x="677335" y="2448117"/>
+            <a:ext cx="8128906" cy="1471489"/>
+          </a:xfrm>
+          <a:prstGeom prst="rect">
+            <a:avLst/>
+          </a:prstGeom>
+        </p:spPr>
+      </p:pic>
     </p:spTree>
     <p:extLst>
       <p:ext uri="{BB962C8B-B14F-4D97-AF65-F5344CB8AC3E}">
-        <p14:creationId xmlns:p14="http://schemas.microsoft.com/office/powerpoint/2010/main" val="1454748850"/>
+        <p14:creationId xmlns:p14="http://schemas.microsoft.com/office/powerpoint/2010/main" val="865281002"/>
       </p:ext>
     </p:extLst>
   </p:cSld>
@@ -6270,7 +6074,7 @@
           <p:cNvPr id="2" name="Cím 1">
             <a:extLst>
               <a:ext uri="{FF2B5EF4-FFF2-40B4-BE49-F238E27FC236}">
-                <a16:creationId xmlns:a16="http://schemas.microsoft.com/office/drawing/2014/main" id="{6A4F8AAD-4615-4316-8A53-9386A9C709EB}"/>
+                <a16:creationId xmlns:a16="http://schemas.microsoft.com/office/drawing/2014/main" id="{A7A147EF-110B-4F9B-B93B-006793E52891}"/>
               </a:ext>
             </a:extLst>
           </p:cNvPr>
@@ -6288,11 +6092,19 @@
           <a:p>
             <a:r>
               <a:rPr lang="hu-HU" dirty="0"/>
-              <a:t>Alapkonfiguráció titkárság </a:t>
-            </a:r>
-            <a:r>
-              <a:rPr lang="hu-HU" dirty="0" err="1"/>
-              <a:t>switch</a:t>
+              <a:t>Alap konfiguráció, </a:t>
+            </a:r>
+            <a:r>
+              <a:rPr lang="hu-HU" dirty="0" err="1"/>
+              <a:t>ssh</a:t>
+            </a:r>
+            <a:r>
+              <a:rPr lang="hu-HU" dirty="0"/>
+              <a:t>, </a:t>
+            </a:r>
+            <a:r>
+              <a:rPr lang="hu-HU" dirty="0" err="1"/>
+              <a:t>Termek_router</a:t>
             </a:r>
             <a:endParaRPr lang="hu-HU" dirty="0"/>
           </a:p>
@@ -6303,7 +6115,7 @@
           <p:cNvPr id="3" name="Tartalom helye 2">
             <a:extLst>
               <a:ext uri="{FF2B5EF4-FFF2-40B4-BE49-F238E27FC236}">
-                <a16:creationId xmlns:a16="http://schemas.microsoft.com/office/drawing/2014/main" id="{B9D33DBB-E667-48B4-9EF6-46BBB2ECC485}"/>
+                <a16:creationId xmlns:a16="http://schemas.microsoft.com/office/drawing/2014/main" id="{68C544F2-206C-4421-AD6A-6267CAF30A64}"/>
               </a:ext>
             </a:extLst>
           </p:cNvPr>
@@ -6325,11 +6137,11 @@
             </a:r>
             <a:r>
               <a:rPr lang="hu-HU" dirty="0"/>
-              <a:t>: </a:t>
-            </a:r>
-            <a:r>
-              <a:rPr lang="hu-HU" dirty="0" err="1"/>
-              <a:t>Titkarsag</a:t>
+              <a:t> </a:t>
+            </a:r>
+            <a:r>
+              <a:rPr lang="hu-HU" dirty="0" err="1"/>
+              <a:t>Terem_router</a:t>
             </a:r>
             <a:endParaRPr lang="hu-HU" dirty="0"/>
           </a:p>
@@ -6348,7 +6160,7 @@
             </a:r>
             <a:r>
               <a:rPr lang="hu-HU" dirty="0"/>
-              <a:t>: </a:t>
+              <a:t> </a:t>
             </a:r>
             <a:r>
               <a:rPr lang="hu-HU" dirty="0" err="1"/>
@@ -6359,7 +6171,7 @@
           <a:p>
             <a:r>
               <a:rPr lang="hu-HU" dirty="0" err="1"/>
-              <a:t>Ip</a:t>
+              <a:t>username</a:t>
             </a:r>
             <a:r>
               <a:rPr lang="hu-HU" dirty="0"/>
@@ -6367,25 +6179,48 @@
             </a:r>
             <a:r>
               <a:rPr lang="hu-HU" dirty="0" err="1"/>
+              <a:t>admin</a:t>
+            </a:r>
+            <a:r>
+              <a:rPr lang="hu-HU" dirty="0"/>
+              <a:t> </a:t>
+            </a:r>
+            <a:r>
+              <a:rPr lang="hu-HU" dirty="0" err="1"/>
+              <a:t>password</a:t>
+            </a:r>
+            <a:r>
+              <a:rPr lang="hu-HU" dirty="0"/>
+              <a:t> 0 </a:t>
+            </a:r>
+            <a:r>
+              <a:rPr lang="hu-HU" dirty="0" err="1"/>
+              <a:t>cisco</a:t>
+            </a:r>
+            <a:endParaRPr lang="hu-HU" dirty="0"/>
+          </a:p>
+          <a:p>
+            <a:r>
+              <a:rPr lang="hu-HU" dirty="0" err="1"/>
+              <a:t>ip</a:t>
+            </a:r>
+            <a:r>
+              <a:rPr lang="hu-HU" dirty="0"/>
+              <a:t> </a:t>
+            </a:r>
+            <a:r>
+              <a:rPr lang="hu-HU" dirty="0" err="1"/>
               <a:t>domain-name</a:t>
             </a:r>
             <a:r>
               <a:rPr lang="hu-HU" dirty="0"/>
-              <a:t>: karacs.Titkarsag.hu</a:t>
-            </a:r>
-          </a:p>
-          <a:p>
-            <a:r>
-              <a:rPr lang="hu-HU" dirty="0" err="1"/>
-              <a:t>Username</a:t>
-            </a:r>
-            <a:r>
-              <a:rPr lang="hu-HU" dirty="0"/>
-              <a:t>: </a:t>
-            </a:r>
-            <a:r>
-              <a:rPr lang="hu-HU" dirty="0" err="1"/>
-              <a:t>admin</a:t>
+              <a:t> karacs.Terem_router.hu</a:t>
+            </a:r>
+          </a:p>
+          <a:p>
+            <a:r>
+              <a:rPr lang="hu-HU" dirty="0" err="1"/>
+              <a:t>Crypto</a:t>
             </a:r>
             <a:r>
               <a:rPr lang="hu-HU" dirty="0"/>
@@ -6393,22 +6228,7 @@
             </a:r>
             <a:r>
               <a:rPr lang="hu-HU" dirty="0" err="1"/>
-              <a:t>password</a:t>
-            </a:r>
-            <a:r>
-              <a:rPr lang="hu-HU" dirty="0"/>
-              <a:t>: </a:t>
-            </a:r>
-            <a:r>
-              <a:rPr lang="hu-HU" dirty="0" err="1"/>
-              <a:t>cisco</a:t>
-            </a:r>
-            <a:endParaRPr lang="hu-HU" dirty="0"/>
-          </a:p>
-          <a:p>
-            <a:r>
-              <a:rPr lang="hu-HU" dirty="0" err="1"/>
-              <a:t>Ip</a:t>
+              <a:t>key</a:t>
             </a:r>
             <a:r>
               <a:rPr lang="hu-HU" dirty="0"/>
@@ -6416,22 +6236,65 @@
             </a:r>
             <a:r>
               <a:rPr lang="hu-HU" dirty="0" err="1"/>
-              <a:t>default-gateway</a:t>
-            </a:r>
-            <a:r>
-              <a:rPr lang="hu-HU" dirty="0"/>
-              <a:t>: 192.168.99.1</a:t>
-            </a:r>
-          </a:p>
-          <a:p>
-            <a:endParaRPr lang="hu-HU" dirty="0"/>
+              <a:t>generate</a:t>
+            </a:r>
+            <a:r>
+              <a:rPr lang="hu-HU" dirty="0"/>
+              <a:t> </a:t>
+            </a:r>
+            <a:r>
+              <a:rPr lang="hu-HU" dirty="0" err="1"/>
+              <a:t>rsa</a:t>
+            </a:r>
+            <a:r>
+              <a:rPr lang="hu-HU" dirty="0"/>
+              <a:t> 2048</a:t>
+            </a:r>
+          </a:p>
+          <a:p>
+            <a:r>
+              <a:rPr lang="hu-HU" dirty="0"/>
+              <a:t>Line </a:t>
+            </a:r>
+            <a:r>
+              <a:rPr lang="hu-HU" dirty="0" err="1"/>
+              <a:t>vty</a:t>
+            </a:r>
+            <a:r>
+              <a:rPr lang="hu-HU" dirty="0"/>
+              <a:t> 0 15 </a:t>
+            </a:r>
+          </a:p>
+          <a:p>
+            <a:r>
+              <a:rPr lang="hu-HU" dirty="0"/>
+              <a:t>Login local </a:t>
+            </a:r>
+          </a:p>
+          <a:p>
+            <a:r>
+              <a:rPr lang="hu-HU" dirty="0" err="1"/>
+              <a:t>Transport</a:t>
+            </a:r>
+            <a:r>
+              <a:rPr lang="hu-HU" dirty="0"/>
+              <a:t> input </a:t>
+            </a:r>
+            <a:r>
+              <a:rPr lang="hu-HU" dirty="0" err="1"/>
+              <a:t>ssh</a:t>
+            </a:r>
+            <a:r>
+              <a:rPr lang="hu-HU" dirty="0"/>
+              <a:t>  </a:t>
+            </a:r>
           </a:p>
         </p:txBody>
       </p:sp>
     </p:spTree>
     <p:extLst>
       <p:ext uri="{BB962C8B-B14F-4D97-AF65-F5344CB8AC3E}">
-        <p14:creationId xmlns:p14="http://schemas.microsoft.com/office/powerpoint/2010/main" val="2652337580"/>
+        <p14:creationId xmlns:p14="http://schemas.microsoft.com/office/powerpoint/2010/main" val="1684643062"/>
       </p:ext>
     </p:extLst>
   </p:cSld>
@@ -6463,7 +6326,7 @@
           <p:cNvPr id="2" name="Cím 1">
             <a:extLst>
               <a:ext uri="{FF2B5EF4-FFF2-40B4-BE49-F238E27FC236}">
-                <a16:creationId xmlns:a16="http://schemas.microsoft.com/office/drawing/2014/main" id="{B02E8B9E-D061-47A4-8956-FCB09CA801AE}"/>
+                <a16:creationId xmlns:a16="http://schemas.microsoft.com/office/drawing/2014/main" id="{A933A779-C49D-4501-8D26-AFFC5472A3EC}"/>
               </a:ext>
             </a:extLst>
           </p:cNvPr>
@@ -6481,13 +6344,16 @@
           <a:p>
             <a:r>
               <a:rPr lang="hu-HU" dirty="0"/>
-              <a:t>Alapkonfiguráció Tanár </a:t>
-            </a:r>
-            <a:r>
-              <a:rPr lang="hu-HU" dirty="0" err="1"/>
-              <a:t>switch</a:t>
-            </a:r>
-            <a:endParaRPr lang="hu-HU" dirty="0"/>
+              <a:t>Alap konfiguráció, </a:t>
+            </a:r>
+            <a:r>
+              <a:rPr lang="hu-HU" dirty="0" err="1"/>
+              <a:t>ssh</a:t>
+            </a:r>
+            <a:r>
+              <a:rPr lang="hu-HU" dirty="0"/>
+              <a:t>, Szolgáltató</a:t>
+            </a:r>
           </a:p>
         </p:txBody>
       </p:sp>
@@ -6496,7 +6362,7 @@
           <p:cNvPr id="3" name="Tartalom helye 2">
             <a:extLst>
               <a:ext uri="{FF2B5EF4-FFF2-40B4-BE49-F238E27FC236}">
-                <a16:creationId xmlns:a16="http://schemas.microsoft.com/office/drawing/2014/main" id="{8B8C3E03-0DDE-4C5F-9573-7DF9A281E3D6}"/>
+                <a16:creationId xmlns:a16="http://schemas.microsoft.com/office/drawing/2014/main" id="{EBCB84A6-9C3E-4F81-99D1-4BA377B16BFB}"/>
               </a:ext>
             </a:extLst>
           </p:cNvPr>
@@ -6518,11 +6384,11 @@
             </a:r>
             <a:r>
               <a:rPr lang="hu-HU" dirty="0"/>
-              <a:t>: </a:t>
-            </a:r>
-            <a:r>
-              <a:rPr lang="hu-HU" dirty="0" err="1"/>
-              <a:t>tanari</a:t>
+              <a:t> </a:t>
+            </a:r>
+            <a:r>
+              <a:rPr lang="hu-HU" dirty="0" err="1"/>
+              <a:t>Szolgaltato</a:t>
             </a:r>
             <a:endParaRPr lang="hu-HU" dirty="0"/>
           </a:p>
@@ -6541,7 +6407,7 @@
             </a:r>
             <a:r>
               <a:rPr lang="hu-HU" dirty="0"/>
-              <a:t>: </a:t>
+              <a:t> </a:t>
             </a:r>
             <a:r>
               <a:rPr lang="hu-HU" dirty="0" err="1"/>
@@ -6552,7 +6418,7 @@
           <a:p>
             <a:r>
               <a:rPr lang="hu-HU" dirty="0" err="1"/>
-              <a:t>Ip</a:t>
+              <a:t>username</a:t>
             </a:r>
             <a:r>
               <a:rPr lang="hu-HU" dirty="0"/>
@@ -6560,25 +6426,48 @@
             </a:r>
             <a:r>
               <a:rPr lang="hu-HU" dirty="0" err="1"/>
+              <a:t>admin</a:t>
+            </a:r>
+            <a:r>
+              <a:rPr lang="hu-HU" dirty="0"/>
+              <a:t> </a:t>
+            </a:r>
+            <a:r>
+              <a:rPr lang="hu-HU" dirty="0" err="1"/>
+              <a:t>password</a:t>
+            </a:r>
+            <a:r>
+              <a:rPr lang="hu-HU" dirty="0"/>
+              <a:t> 0 </a:t>
+            </a:r>
+            <a:r>
+              <a:rPr lang="hu-HU" dirty="0" err="1"/>
+              <a:t>cisco</a:t>
+            </a:r>
+            <a:endParaRPr lang="hu-HU" dirty="0"/>
+          </a:p>
+          <a:p>
+            <a:r>
+              <a:rPr lang="hu-HU" dirty="0" err="1"/>
+              <a:t>ip</a:t>
+            </a:r>
+            <a:r>
+              <a:rPr lang="hu-HU" dirty="0"/>
+              <a:t> </a:t>
+            </a:r>
+            <a:r>
+              <a:rPr lang="hu-HU" dirty="0" err="1"/>
               <a:t>domain-name</a:t>
             </a:r>
             <a:r>
               <a:rPr lang="hu-HU" dirty="0"/>
-              <a:t>: karacs.tanari.hu</a:t>
-            </a:r>
-          </a:p>
-          <a:p>
-            <a:r>
-              <a:rPr lang="hu-HU" dirty="0" err="1"/>
-              <a:t>Username</a:t>
-            </a:r>
-            <a:r>
-              <a:rPr lang="hu-HU" dirty="0"/>
-              <a:t>: </a:t>
-            </a:r>
-            <a:r>
-              <a:rPr lang="hu-HU" dirty="0" err="1"/>
-              <a:t>admin</a:t>
+              <a:t> karacs.Szolgaltato.hu</a:t>
+            </a:r>
+          </a:p>
+          <a:p>
+            <a:r>
+              <a:rPr lang="hu-HU" dirty="0" err="1"/>
+              <a:t>Crypto</a:t>
             </a:r>
             <a:r>
               <a:rPr lang="hu-HU" dirty="0"/>
@@ -6586,22 +6475,7 @@
             </a:r>
             <a:r>
               <a:rPr lang="hu-HU" dirty="0" err="1"/>
-              <a:t>password</a:t>
-            </a:r>
-            <a:r>
-              <a:rPr lang="hu-HU" dirty="0"/>
-              <a:t>: </a:t>
-            </a:r>
-            <a:r>
-              <a:rPr lang="hu-HU" dirty="0" err="1"/>
-              <a:t>cisco</a:t>
-            </a:r>
-            <a:endParaRPr lang="hu-HU" dirty="0"/>
-          </a:p>
-          <a:p>
-            <a:r>
-              <a:rPr lang="hu-HU" dirty="0" err="1"/>
-              <a:t>Ip</a:t>
+              <a:t>key</a:t>
             </a:r>
             <a:r>
               <a:rPr lang="hu-HU" dirty="0"/>
@@ -6609,11 +6483,57 @@
             </a:r>
             <a:r>
               <a:rPr lang="hu-HU" dirty="0" err="1"/>
-              <a:t>default-gateway</a:t>
-            </a:r>
-            <a:r>
-              <a:rPr lang="hu-HU" dirty="0"/>
-              <a:t>: 192.168.99.1</a:t>
+              <a:t>generate</a:t>
+            </a:r>
+            <a:r>
+              <a:rPr lang="hu-HU" dirty="0"/>
+              <a:t> </a:t>
+            </a:r>
+            <a:r>
+              <a:rPr lang="hu-HU" dirty="0" err="1"/>
+              <a:t>rsa</a:t>
+            </a:r>
+            <a:r>
+              <a:rPr lang="hu-HU" dirty="0"/>
+              <a:t> 2048</a:t>
+            </a:r>
+          </a:p>
+          <a:p>
+            <a:r>
+              <a:rPr lang="hu-HU" dirty="0"/>
+              <a:t>Line </a:t>
+            </a:r>
+            <a:r>
+              <a:rPr lang="hu-HU" dirty="0" err="1"/>
+              <a:t>vty</a:t>
+            </a:r>
+            <a:r>
+              <a:rPr lang="hu-HU" dirty="0"/>
+              <a:t> 0 15 </a:t>
+            </a:r>
+          </a:p>
+          <a:p>
+            <a:r>
+              <a:rPr lang="hu-HU" dirty="0"/>
+              <a:t>Login local </a:t>
+            </a:r>
+          </a:p>
+          <a:p>
+            <a:r>
+              <a:rPr lang="hu-HU" dirty="0" err="1"/>
+              <a:t>Transport</a:t>
+            </a:r>
+            <a:r>
+              <a:rPr lang="hu-HU" dirty="0"/>
+              <a:t> input </a:t>
+            </a:r>
+            <a:r>
+              <a:rPr lang="hu-HU" dirty="0" err="1"/>
+              <a:t>ssh</a:t>
+            </a:r>
+            <a:r>
+              <a:rPr lang="hu-HU" dirty="0"/>
+              <a:t>  </a:t>
             </a:r>
           </a:p>
           <a:p>
@@ -6624,7 +6544,7 @@
     </p:spTree>
     <p:extLst>
       <p:ext uri="{BB962C8B-B14F-4D97-AF65-F5344CB8AC3E}">
-        <p14:creationId xmlns:p14="http://schemas.microsoft.com/office/powerpoint/2010/main" val="621683544"/>
+        <p14:creationId xmlns:p14="http://schemas.microsoft.com/office/powerpoint/2010/main" val="4146333249"/>
       </p:ext>
     </p:extLst>
   </p:cSld>
@@ -6656,7 +6576,7 @@
           <p:cNvPr id="2" name="Cím 1">
             <a:extLst>
               <a:ext uri="{FF2B5EF4-FFF2-40B4-BE49-F238E27FC236}">
-                <a16:creationId xmlns:a16="http://schemas.microsoft.com/office/drawing/2014/main" id="{E77EB1A9-E16D-4C1C-B2ED-92E22E759584}"/>
+                <a16:creationId xmlns:a16="http://schemas.microsoft.com/office/drawing/2014/main" id="{959AE4F5-6634-49A4-8F4A-8B60E11BBBF5}"/>
               </a:ext>
             </a:extLst>
           </p:cNvPr>
@@ -6674,7 +6594,23 @@
           <a:p>
             <a:r>
               <a:rPr lang="hu-HU" dirty="0"/>
-              <a:t>Alapkonfiguráció Termek router</a:t>
+              <a:t>Alap konfiguráció, </a:t>
+            </a:r>
+            <a:r>
+              <a:rPr lang="hu-HU" dirty="0" err="1"/>
+              <a:t>ssh</a:t>
+            </a:r>
+            <a:r>
+              <a:rPr lang="hu-HU" dirty="0"/>
+              <a:t>, </a:t>
+            </a:r>
+            <a:r>
+              <a:rPr lang="hu-HU" dirty="0" err="1"/>
+              <a:t>Tanmuhely</a:t>
+            </a:r>
+            <a:r>
+              <a:rPr lang="hu-HU" dirty="0"/>
+              <a:t> 1</a:t>
             </a:r>
           </a:p>
         </p:txBody>
@@ -6684,7 +6620,7 @@
           <p:cNvPr id="3" name="Tartalom helye 2">
             <a:extLst>
               <a:ext uri="{FF2B5EF4-FFF2-40B4-BE49-F238E27FC236}">
-                <a16:creationId xmlns:a16="http://schemas.microsoft.com/office/drawing/2014/main" id="{3C38316C-CF76-4784-AAF6-727344F4321F}"/>
+                <a16:creationId xmlns:a16="http://schemas.microsoft.com/office/drawing/2014/main" id="{6A27B91E-B024-4AD5-9102-D80983316EE0}"/>
               </a:ext>
             </a:extLst>
           </p:cNvPr>
@@ -6706,18 +6642,36 @@
             </a:r>
             <a:r>
               <a:rPr lang="hu-HU" dirty="0"/>
-              <a:t>: </a:t>
-            </a:r>
-            <a:r>
-              <a:rPr lang="hu-HU" dirty="0" err="1"/>
-              <a:t>Terem_router</a:t>
+              <a:t> Tanmuhely1</a:t>
+            </a:r>
+          </a:p>
+          <a:p>
+            <a:r>
+              <a:rPr lang="hu-HU" dirty="0" err="1"/>
+              <a:t>enable</a:t>
+            </a:r>
+            <a:r>
+              <a:rPr lang="hu-HU" dirty="0"/>
+              <a:t> </a:t>
+            </a:r>
+            <a:r>
+              <a:rPr lang="hu-HU" dirty="0" err="1"/>
+              <a:t>secret</a:t>
+            </a:r>
+            <a:r>
+              <a:rPr lang="hu-HU" dirty="0"/>
+              <a:t> </a:t>
+            </a:r>
+            <a:r>
+              <a:rPr lang="hu-HU" dirty="0" err="1"/>
+              <a:t>cisco</a:t>
             </a:r>
             <a:endParaRPr lang="hu-HU" dirty="0"/>
           </a:p>
           <a:p>
             <a:r>
               <a:rPr lang="hu-HU" dirty="0" err="1"/>
-              <a:t>enable</a:t>
+              <a:t>username</a:t>
             </a:r>
             <a:r>
               <a:rPr lang="hu-HU" dirty="0"/>
@@ -6725,11 +6679,19 @@
             </a:r>
             <a:r>
               <a:rPr lang="hu-HU" dirty="0" err="1"/>
-              <a:t>secret</a:t>
-            </a:r>
-            <a:r>
-              <a:rPr lang="hu-HU" dirty="0"/>
-              <a:t>: </a:t>
+              <a:t>admin</a:t>
+            </a:r>
+            <a:r>
+              <a:rPr lang="hu-HU" dirty="0"/>
+              <a:t> </a:t>
+            </a:r>
+            <a:r>
+              <a:rPr lang="hu-HU" dirty="0" err="1"/>
+              <a:t>password</a:t>
+            </a:r>
+            <a:r>
+              <a:rPr lang="hu-HU" dirty="0"/>
+              <a:t> 0 </a:t>
             </a:r>
             <a:r>
               <a:rPr lang="hu-HU" dirty="0" err="1"/>
@@ -6740,7 +6702,7 @@
           <a:p>
             <a:r>
               <a:rPr lang="hu-HU" dirty="0" err="1"/>
-              <a:t>Ip</a:t>
+              <a:t>ip</a:t>
             </a:r>
             <a:r>
               <a:rPr lang="hu-HU" dirty="0"/>
@@ -6752,21 +6714,13 @@
             </a:r>
             <a:r>
               <a:rPr lang="hu-HU" dirty="0"/>
-              <a:t>: karacs.Terem_router.hu</a:t>
-            </a:r>
-          </a:p>
-          <a:p>
-            <a:r>
-              <a:rPr lang="hu-HU" dirty="0" err="1"/>
-              <a:t>Username</a:t>
-            </a:r>
-            <a:r>
-              <a:rPr lang="hu-HU" dirty="0"/>
-              <a:t>: </a:t>
-            </a:r>
-            <a:r>
-              <a:rPr lang="hu-HU" dirty="0" err="1"/>
-              <a:t>admin</a:t>
+              <a:t> karacs.Tanmuhely1.hu</a:t>
+            </a:r>
+          </a:p>
+          <a:p>
+            <a:r>
+              <a:rPr lang="hu-HU" dirty="0" err="1"/>
+              <a:t>Crypto</a:t>
             </a:r>
             <a:r>
               <a:rPr lang="hu-HU" dirty="0"/>
@@ -6774,22 +6728,7 @@
             </a:r>
             <a:r>
               <a:rPr lang="hu-HU" dirty="0" err="1"/>
-              <a:t>password</a:t>
-            </a:r>
-            <a:r>
-              <a:rPr lang="hu-HU" dirty="0"/>
-              <a:t>: </a:t>
-            </a:r>
-            <a:r>
-              <a:rPr lang="hu-HU" dirty="0" err="1"/>
-              <a:t>cisco</a:t>
-            </a:r>
-            <a:endParaRPr lang="hu-HU" dirty="0"/>
-          </a:p>
-          <a:p>
-            <a:r>
-              <a:rPr lang="hu-HU" dirty="0" err="1"/>
-              <a:t>Crypto</a:t>
+              <a:t>key</a:t>
             </a:r>
             <a:r>
               <a:rPr lang="hu-HU" dirty="0"/>
@@ -6797,7 +6736,7 @@
             </a:r>
             <a:r>
               <a:rPr lang="hu-HU" dirty="0" err="1"/>
-              <a:t>key</a:t>
+              <a:t>generate</a:t>
             </a:r>
             <a:r>
               <a:rPr lang="hu-HU" dirty="0"/>
@@ -6805,26 +6744,50 @@
             </a:r>
             <a:r>
               <a:rPr lang="hu-HU" dirty="0" err="1"/>
-              <a:t>generate</a:t>
-            </a:r>
-            <a:r>
-              <a:rPr lang="hu-HU" dirty="0"/>
-              <a:t> rsa:2048</a:t>
-            </a:r>
-          </a:p>
-          <a:p>
-            <a:r>
-              <a:rPr lang="hu-HU" dirty="0"/>
-              <a:t>Ipv6 </a:t>
-            </a:r>
-            <a:r>
-              <a:rPr lang="hu-HU" dirty="0" err="1"/>
-              <a:t>unicast-routing</a:t>
-            </a:r>
-            <a:endParaRPr lang="hu-HU" dirty="0"/>
-          </a:p>
-          <a:p>
-            <a:endParaRPr lang="hu-HU" dirty="0"/>
+              <a:t>rsa</a:t>
+            </a:r>
+            <a:r>
+              <a:rPr lang="hu-HU" dirty="0"/>
+              <a:t> 2048</a:t>
+            </a:r>
+          </a:p>
+          <a:p>
+            <a:r>
+              <a:rPr lang="hu-HU" dirty="0"/>
+              <a:t>Line </a:t>
+            </a:r>
+            <a:r>
+              <a:rPr lang="hu-HU" dirty="0" err="1"/>
+              <a:t>vty</a:t>
+            </a:r>
+            <a:r>
+              <a:rPr lang="hu-HU" dirty="0"/>
+              <a:t> 0 15 </a:t>
+            </a:r>
+          </a:p>
+          <a:p>
+            <a:r>
+              <a:rPr lang="hu-HU" dirty="0"/>
+              <a:t>Login local </a:t>
+            </a:r>
+          </a:p>
+          <a:p>
+            <a:r>
+              <a:rPr lang="hu-HU" dirty="0" err="1"/>
+              <a:t>Transport</a:t>
+            </a:r>
+            <a:r>
+              <a:rPr lang="hu-HU" dirty="0"/>
+              <a:t> input </a:t>
+            </a:r>
+            <a:r>
+              <a:rPr lang="hu-HU" dirty="0" err="1"/>
+              <a:t>ssh</a:t>
+            </a:r>
+            <a:r>
+              <a:rPr lang="hu-HU" dirty="0"/>
+              <a:t>  </a:t>
+            </a:r>
           </a:p>
           <a:p>
             <a:endParaRPr lang="hu-HU" dirty="0"/>
@@ -6834,7 +6797,7 @@
     </p:spTree>
     <p:extLst>
       <p:ext uri="{BB962C8B-B14F-4D97-AF65-F5344CB8AC3E}">
-        <p14:creationId xmlns:p14="http://schemas.microsoft.com/office/powerpoint/2010/main" val="3273756784"/>
+        <p14:creationId xmlns:p14="http://schemas.microsoft.com/office/powerpoint/2010/main" val="2682062776"/>
       </p:ext>
     </p:extLst>
   </p:cSld>
@@ -6866,7 +6829,7 @@
           <p:cNvPr id="2" name="Cím 1">
             <a:extLst>
               <a:ext uri="{FF2B5EF4-FFF2-40B4-BE49-F238E27FC236}">
-                <a16:creationId xmlns:a16="http://schemas.microsoft.com/office/drawing/2014/main" id="{828A73F7-73C3-42ED-B40E-AC809D037F82}"/>
+                <a16:creationId xmlns:a16="http://schemas.microsoft.com/office/drawing/2014/main" id="{82DD5AFC-43D1-4034-B660-633A55816A2C}"/>
               </a:ext>
             </a:extLst>
           </p:cNvPr>
@@ -6884,7 +6847,23 @@
           <a:p>
             <a:r>
               <a:rPr lang="hu-HU" dirty="0"/>
-              <a:t>Alapkonfiguráció Szolgáltató router</a:t>
+              <a:t>Alap konfiguráció, </a:t>
+            </a:r>
+            <a:r>
+              <a:rPr lang="hu-HU" dirty="0" err="1"/>
+              <a:t>ssh</a:t>
+            </a:r>
+            <a:r>
+              <a:rPr lang="hu-HU" dirty="0"/>
+              <a:t>, </a:t>
+            </a:r>
+            <a:r>
+              <a:rPr lang="hu-HU" dirty="0" err="1"/>
+              <a:t>Tanmuhely</a:t>
+            </a:r>
+            <a:r>
+              <a:rPr lang="hu-HU" dirty="0"/>
+              <a:t> 2</a:t>
             </a:r>
           </a:p>
         </p:txBody>
@@ -6894,7 +6873,7 @@
           <p:cNvPr id="3" name="Tartalom helye 2">
             <a:extLst>
               <a:ext uri="{FF2B5EF4-FFF2-40B4-BE49-F238E27FC236}">
-                <a16:creationId xmlns:a16="http://schemas.microsoft.com/office/drawing/2014/main" id="{3B7F5DB7-6EFD-457B-9031-06C98D06823C}"/>
+                <a16:creationId xmlns:a16="http://schemas.microsoft.com/office/drawing/2014/main" id="{3E421976-BDDE-4B80-8991-64B0868C11A1}"/>
               </a:ext>
             </a:extLst>
           </p:cNvPr>
@@ -6916,18 +6895,36 @@
             </a:r>
             <a:r>
               <a:rPr lang="hu-HU" dirty="0"/>
-              <a:t>: </a:t>
-            </a:r>
-            <a:r>
-              <a:rPr lang="hu-HU" dirty="0" err="1"/>
-              <a:t>szolgaltato</a:t>
+              <a:t> Tanmuhely2</a:t>
+            </a:r>
+          </a:p>
+          <a:p>
+            <a:r>
+              <a:rPr lang="hu-HU" dirty="0" err="1"/>
+              <a:t>enable</a:t>
+            </a:r>
+            <a:r>
+              <a:rPr lang="hu-HU" dirty="0"/>
+              <a:t> </a:t>
+            </a:r>
+            <a:r>
+              <a:rPr lang="hu-HU" dirty="0" err="1"/>
+              <a:t>secret</a:t>
+            </a:r>
+            <a:r>
+              <a:rPr lang="hu-HU" dirty="0"/>
+              <a:t> </a:t>
+            </a:r>
+            <a:r>
+              <a:rPr lang="hu-HU" dirty="0" err="1"/>
+              <a:t>cisco</a:t>
             </a:r>
             <a:endParaRPr lang="hu-HU" dirty="0"/>
           </a:p>
           <a:p>
             <a:r>
               <a:rPr lang="hu-HU" dirty="0" err="1"/>
-              <a:t>enable</a:t>
+              <a:t>username</a:t>
             </a:r>
             <a:r>
               <a:rPr lang="hu-HU" dirty="0"/>
@@ -6935,11 +6932,19 @@
             </a:r>
             <a:r>
               <a:rPr lang="hu-HU" dirty="0" err="1"/>
-              <a:t>secret</a:t>
-            </a:r>
-            <a:r>
-              <a:rPr lang="hu-HU" dirty="0"/>
-              <a:t>: </a:t>
+              <a:t>admin</a:t>
+            </a:r>
+            <a:r>
+              <a:rPr lang="hu-HU" dirty="0"/>
+              <a:t> </a:t>
+            </a:r>
+            <a:r>
+              <a:rPr lang="hu-HU" dirty="0" err="1"/>
+              <a:t>password</a:t>
+            </a:r>
+            <a:r>
+              <a:rPr lang="hu-HU" dirty="0"/>
+              <a:t> 0 </a:t>
             </a:r>
             <a:r>
               <a:rPr lang="hu-HU" dirty="0" err="1"/>
@@ -6950,7 +6955,7 @@
           <a:p>
             <a:r>
               <a:rPr lang="hu-HU" dirty="0" err="1"/>
-              <a:t>Ip</a:t>
+              <a:t>ip</a:t>
             </a:r>
             <a:r>
               <a:rPr lang="hu-HU" dirty="0"/>
@@ -6962,21 +6967,21 @@
             </a:r>
             <a:r>
               <a:rPr lang="hu-HU" dirty="0"/>
-              <a:t>: karacs.szolgaltato.hu</a:t>
-            </a:r>
-          </a:p>
-          <a:p>
-            <a:r>
-              <a:rPr lang="hu-HU" dirty="0" err="1"/>
-              <a:t>Username</a:t>
-            </a:r>
-            <a:r>
-              <a:rPr lang="hu-HU" dirty="0"/>
-              <a:t>: </a:t>
-            </a:r>
-            <a:r>
-              <a:rPr lang="hu-HU" dirty="0" err="1"/>
-              <a:t>admin</a:t>
+              <a:t> karacs</a:t>
+            </a:r>
+            <a:r>
+              <a:rPr lang="hu-HU"/>
+              <a:t>.Tanmuhely2.</a:t>
+            </a:r>
+            <a:r>
+              <a:rPr lang="hu-HU" dirty="0"/>
+              <a:t>hu</a:t>
+            </a:r>
+          </a:p>
+          <a:p>
+            <a:r>
+              <a:rPr lang="hu-HU" dirty="0" err="1"/>
+              <a:t>Crypto</a:t>
             </a:r>
             <a:r>
               <a:rPr lang="hu-HU" dirty="0"/>
@@ -6984,22 +6989,7 @@
             </a:r>
             <a:r>
               <a:rPr lang="hu-HU" dirty="0" err="1"/>
-              <a:t>password</a:t>
-            </a:r>
-            <a:r>
-              <a:rPr lang="hu-HU" dirty="0"/>
-              <a:t>: </a:t>
-            </a:r>
-            <a:r>
-              <a:rPr lang="hu-HU" dirty="0" err="1"/>
-              <a:t>cisco</a:t>
-            </a:r>
-            <a:endParaRPr lang="hu-HU" dirty="0"/>
-          </a:p>
-          <a:p>
-            <a:r>
-              <a:rPr lang="hu-HU" dirty="0" err="1"/>
-              <a:t>Crypto</a:t>
+              <a:t>key</a:t>
             </a:r>
             <a:r>
               <a:rPr lang="hu-HU" dirty="0"/>
@@ -7007,7 +6997,7 @@
             </a:r>
             <a:r>
               <a:rPr lang="hu-HU" dirty="0" err="1"/>
-              <a:t>key</a:t>
+              <a:t>generate</a:t>
             </a:r>
             <a:r>
               <a:rPr lang="hu-HU" dirty="0"/>
@@ -7015,23 +7005,50 @@
             </a:r>
             <a:r>
               <a:rPr lang="hu-HU" dirty="0" err="1"/>
-              <a:t>generate</a:t>
-            </a:r>
-            <a:r>
-              <a:rPr lang="hu-HU" dirty="0"/>
-              <a:t> rsa:2048</a:t>
-            </a:r>
-          </a:p>
-          <a:p>
-            <a:r>
-              <a:rPr lang="hu-HU" dirty="0"/>
-              <a:t>Ipv6 </a:t>
-            </a:r>
-            <a:r>
-              <a:rPr lang="hu-HU" dirty="0" err="1"/>
-              <a:t>unicast-routing</a:t>
-            </a:r>
-            <a:endParaRPr lang="hu-HU" dirty="0"/>
+              <a:t>rsa</a:t>
+            </a:r>
+            <a:r>
+              <a:rPr lang="hu-HU" dirty="0"/>
+              <a:t> 2048</a:t>
+            </a:r>
+          </a:p>
+          <a:p>
+            <a:r>
+              <a:rPr lang="hu-HU" dirty="0"/>
+              <a:t>Line </a:t>
+            </a:r>
+            <a:r>
+              <a:rPr lang="hu-HU" dirty="0" err="1"/>
+              <a:t>vty</a:t>
+            </a:r>
+            <a:r>
+              <a:rPr lang="hu-HU" dirty="0"/>
+              <a:t> 0 15 </a:t>
+            </a:r>
+          </a:p>
+          <a:p>
+            <a:r>
+              <a:rPr lang="hu-HU" dirty="0"/>
+              <a:t>Login local </a:t>
+            </a:r>
+          </a:p>
+          <a:p>
+            <a:r>
+              <a:rPr lang="hu-HU" dirty="0" err="1"/>
+              <a:t>Transport</a:t>
+            </a:r>
+            <a:r>
+              <a:rPr lang="hu-HU" dirty="0"/>
+              <a:t> input </a:t>
+            </a:r>
+            <a:r>
+              <a:rPr lang="hu-HU" dirty="0" err="1"/>
+              <a:t>ssh</a:t>
+            </a:r>
+            <a:r>
+              <a:rPr lang="hu-HU" dirty="0"/>
+              <a:t>  </a:t>
+            </a:r>
           </a:p>
           <a:p>
             <a:endParaRPr lang="hu-HU" dirty="0"/>
@@ -7041,451 +7058,7 @@
     </p:spTree>
     <p:extLst>
       <p:ext uri="{BB962C8B-B14F-4D97-AF65-F5344CB8AC3E}">
-        <p14:creationId xmlns:p14="http://schemas.microsoft.com/office/powerpoint/2010/main" val="158942647"/>
-      </p:ext>
-    </p:extLst>
-  </p:cSld>
-  <p:clrMapOvr>
-    <a:masterClrMapping/>
-  </p:clrMapOvr>
-</p:sld>
-</file>
-
-<file path=ppt/slides/slide16.xml><?xml version="1.0" encoding="utf-8"?>
-<p:sld xmlns:a="http://schemas.openxmlformats.org/drawingml/2006/main" xmlns:r="http://schemas.openxmlformats.org/officeDocument/2006/relationships" xmlns:p="http://schemas.openxmlformats.org/presentationml/2006/main">
-  <p:cSld>
-    <p:spTree>
-      <p:nvGrpSpPr>
-        <p:cNvPr id="1" name=""/>
-        <p:cNvGrpSpPr/>
-        <p:nvPr/>
-      </p:nvGrpSpPr>
-      <p:grpSpPr>
-        <a:xfrm>
-          <a:off x="0" y="0"/>
-          <a:ext cx="0" cy="0"/>
-          <a:chOff x="0" y="0"/>
-          <a:chExt cx="0" cy="0"/>
-        </a:xfrm>
-      </p:grpSpPr>
-      <p:sp>
-        <p:nvSpPr>
-          <p:cNvPr id="2" name="Cím 1">
-            <a:extLst>
-              <a:ext uri="{FF2B5EF4-FFF2-40B4-BE49-F238E27FC236}">
-                <a16:creationId xmlns:a16="http://schemas.microsoft.com/office/drawing/2014/main" id="{4CFE9B4C-F1E4-4B39-9A70-03347B690F29}"/>
-              </a:ext>
-            </a:extLst>
-          </p:cNvPr>
-          <p:cNvSpPr>
-            <a:spLocks noGrp="1"/>
-          </p:cNvSpPr>
-          <p:nvPr>
-            <p:ph type="title"/>
-          </p:nvPr>
-        </p:nvSpPr>
-        <p:spPr/>
-        <p:txBody>
-          <a:bodyPr/>
-          <a:lstStyle/>
-          <a:p>
-            <a:r>
-              <a:rPr lang="hu-HU" dirty="0"/>
-              <a:t>SSH a távoli eléréshez</a:t>
-            </a:r>
-          </a:p>
-        </p:txBody>
-      </p:sp>
-      <p:sp>
-        <p:nvSpPr>
-          <p:cNvPr id="3" name="Tartalom helye 2">
-            <a:extLst>
-              <a:ext uri="{FF2B5EF4-FFF2-40B4-BE49-F238E27FC236}">
-                <a16:creationId xmlns:a16="http://schemas.microsoft.com/office/drawing/2014/main" id="{90CC205C-86B5-429F-8546-1165AFAD4B4A}"/>
-              </a:ext>
-            </a:extLst>
-          </p:cNvPr>
-          <p:cNvSpPr>
-            <a:spLocks noGrp="1"/>
-          </p:cNvSpPr>
-          <p:nvPr>
-            <p:ph idx="1"/>
-          </p:nvPr>
-        </p:nvSpPr>
-        <p:spPr/>
-        <p:txBody>
-          <a:bodyPr/>
-          <a:lstStyle/>
-          <a:p>
-            <a:r>
-              <a:rPr lang="hu-HU" dirty="0" err="1"/>
-              <a:t>Username</a:t>
-            </a:r>
-            <a:r>
-              <a:rPr lang="hu-HU" dirty="0"/>
-              <a:t>: </a:t>
-            </a:r>
-            <a:r>
-              <a:rPr lang="hu-HU" dirty="0" err="1"/>
-              <a:t>admin,password</a:t>
-            </a:r>
-            <a:r>
-              <a:rPr lang="hu-HU" dirty="0"/>
-              <a:t>: </a:t>
-            </a:r>
-            <a:r>
-              <a:rPr lang="hu-HU" dirty="0" err="1"/>
-              <a:t>cisco</a:t>
-            </a:r>
-            <a:endParaRPr lang="hu-HU" dirty="0"/>
-          </a:p>
-          <a:p>
-            <a:r>
-              <a:rPr lang="hu-HU" dirty="0"/>
-              <a:t>Line </a:t>
-            </a:r>
-            <a:r>
-              <a:rPr lang="hu-HU" dirty="0" err="1"/>
-              <a:t>vty</a:t>
-            </a:r>
-            <a:r>
-              <a:rPr lang="hu-HU" dirty="0"/>
-              <a:t> 0 4</a:t>
-            </a:r>
-          </a:p>
-          <a:p>
-            <a:pPr lvl="1"/>
-            <a:r>
-              <a:rPr lang="hu-HU" dirty="0"/>
-              <a:t>login local</a:t>
-            </a:r>
-          </a:p>
-          <a:p>
-            <a:pPr lvl="1"/>
-            <a:r>
-              <a:rPr lang="hu-HU" dirty="0" err="1"/>
-              <a:t>transport</a:t>
-            </a:r>
-            <a:r>
-              <a:rPr lang="hu-HU" dirty="0"/>
-              <a:t> input </a:t>
-            </a:r>
-            <a:r>
-              <a:rPr lang="hu-HU" dirty="0" err="1"/>
-              <a:t>ssh</a:t>
-            </a:r>
-            <a:endParaRPr lang="hu-HU" dirty="0"/>
-          </a:p>
-          <a:p>
-            <a:r>
-              <a:rPr lang="hu-HU" dirty="0"/>
-              <a:t>Line </a:t>
-            </a:r>
-            <a:r>
-              <a:rPr lang="hu-HU" dirty="0" err="1"/>
-              <a:t>vty</a:t>
-            </a:r>
-            <a:r>
-              <a:rPr lang="hu-HU" dirty="0"/>
-              <a:t> 0 15</a:t>
-            </a:r>
-          </a:p>
-          <a:p>
-            <a:pPr lvl="1"/>
-            <a:r>
-              <a:rPr lang="hu-HU" dirty="0"/>
-              <a:t>login local</a:t>
-            </a:r>
-          </a:p>
-          <a:p>
-            <a:pPr lvl="1"/>
-            <a:r>
-              <a:rPr lang="hu-HU" dirty="0" err="1"/>
-              <a:t>Transport</a:t>
-            </a:r>
-            <a:r>
-              <a:rPr lang="hu-HU" dirty="0"/>
-              <a:t> input </a:t>
-            </a:r>
-            <a:r>
-              <a:rPr lang="hu-HU" dirty="0" err="1"/>
-              <a:t>ssh</a:t>
-            </a:r>
-            <a:endParaRPr lang="hu-HU" dirty="0"/>
-          </a:p>
-          <a:p>
-            <a:endParaRPr lang="hu-HU" dirty="0"/>
-          </a:p>
-          <a:p>
-            <a:endParaRPr lang="hu-HU" dirty="0"/>
-          </a:p>
-        </p:txBody>
-      </p:sp>
-    </p:spTree>
-    <p:extLst>
-      <p:ext uri="{BB962C8B-B14F-4D97-AF65-F5344CB8AC3E}">
-        <p14:creationId xmlns:p14="http://schemas.microsoft.com/office/powerpoint/2010/main" val="1596462904"/>
-      </p:ext>
-    </p:extLst>
-  </p:cSld>
-  <p:clrMapOvr>
-    <a:masterClrMapping/>
-  </p:clrMapOvr>
-</p:sld>
-</file>
-
-<file path=ppt/slides/slide17.xml><?xml version="1.0" encoding="utf-8"?>
-<p:sld xmlns:a="http://schemas.openxmlformats.org/drawingml/2006/main" xmlns:r="http://schemas.openxmlformats.org/officeDocument/2006/relationships" xmlns:p="http://schemas.openxmlformats.org/presentationml/2006/main">
-  <p:cSld>
-    <p:spTree>
-      <p:nvGrpSpPr>
-        <p:cNvPr id="1" name=""/>
-        <p:cNvGrpSpPr/>
-        <p:nvPr/>
-      </p:nvGrpSpPr>
-      <p:grpSpPr>
-        <a:xfrm>
-          <a:off x="0" y="0"/>
-          <a:ext cx="0" cy="0"/>
-          <a:chOff x="0" y="0"/>
-          <a:chExt cx="0" cy="0"/>
-        </a:xfrm>
-      </p:grpSpPr>
-      <p:sp>
-        <p:nvSpPr>
-          <p:cNvPr id="2" name="Cím 1">
-            <a:extLst>
-              <a:ext uri="{FF2B5EF4-FFF2-40B4-BE49-F238E27FC236}">
-                <a16:creationId xmlns:a16="http://schemas.microsoft.com/office/drawing/2014/main" id="{088D96A3-F79E-4FD6-8D7E-072C085ED870}"/>
-              </a:ext>
-            </a:extLst>
-          </p:cNvPr>
-          <p:cNvSpPr>
-            <a:spLocks noGrp="1"/>
-          </p:cNvSpPr>
-          <p:nvPr>
-            <p:ph type="title"/>
-          </p:nvPr>
-        </p:nvSpPr>
-        <p:spPr/>
-        <p:txBody>
-          <a:bodyPr/>
-          <a:lstStyle/>
-          <a:p>
-            <a:endParaRPr lang="hu-HU"/>
-          </a:p>
-        </p:txBody>
-      </p:sp>
-      <p:sp>
-        <p:nvSpPr>
-          <p:cNvPr id="3" name="Tartalom helye 2">
-            <a:extLst>
-              <a:ext uri="{FF2B5EF4-FFF2-40B4-BE49-F238E27FC236}">
-                <a16:creationId xmlns:a16="http://schemas.microsoft.com/office/drawing/2014/main" id="{979BFF82-F37F-42E1-B2CF-5A4B1969EAE9}"/>
-              </a:ext>
-            </a:extLst>
-          </p:cNvPr>
-          <p:cNvSpPr>
-            <a:spLocks noGrp="1"/>
-          </p:cNvSpPr>
-          <p:nvPr>
-            <p:ph idx="1"/>
-          </p:nvPr>
-        </p:nvSpPr>
-        <p:spPr/>
-        <p:txBody>
-          <a:bodyPr/>
-          <a:lstStyle/>
-          <a:p>
-            <a:endParaRPr lang="hu-HU"/>
-          </a:p>
-        </p:txBody>
-      </p:sp>
-    </p:spTree>
-    <p:extLst>
-      <p:ext uri="{BB962C8B-B14F-4D97-AF65-F5344CB8AC3E}">
-        <p14:creationId xmlns:p14="http://schemas.microsoft.com/office/powerpoint/2010/main" val="2350178536"/>
-      </p:ext>
-    </p:extLst>
-  </p:cSld>
-  <p:clrMapOvr>
-    <a:masterClrMapping/>
-  </p:clrMapOvr>
-</p:sld>
-</file>
-
-<file path=ppt/slides/slide18.xml><?xml version="1.0" encoding="utf-8"?>
-<p:sld xmlns:a="http://schemas.openxmlformats.org/drawingml/2006/main" xmlns:r="http://schemas.openxmlformats.org/officeDocument/2006/relationships" xmlns:p="http://schemas.openxmlformats.org/presentationml/2006/main">
-  <p:cSld>
-    <p:spTree>
-      <p:nvGrpSpPr>
-        <p:cNvPr id="1" name=""/>
-        <p:cNvGrpSpPr/>
-        <p:nvPr/>
-      </p:nvGrpSpPr>
-      <p:grpSpPr>
-        <a:xfrm>
-          <a:off x="0" y="0"/>
-          <a:ext cx="0" cy="0"/>
-          <a:chOff x="0" y="0"/>
-          <a:chExt cx="0" cy="0"/>
-        </a:xfrm>
-      </p:grpSpPr>
-      <p:sp>
-        <p:nvSpPr>
-          <p:cNvPr id="2" name="Cím 1">
-            <a:extLst>
-              <a:ext uri="{FF2B5EF4-FFF2-40B4-BE49-F238E27FC236}">
-                <a16:creationId xmlns:a16="http://schemas.microsoft.com/office/drawing/2014/main" id="{805604C7-615C-407C-8718-995935FE5DD4}"/>
-              </a:ext>
-            </a:extLst>
-          </p:cNvPr>
-          <p:cNvSpPr>
-            <a:spLocks noGrp="1"/>
-          </p:cNvSpPr>
-          <p:nvPr>
-            <p:ph type="title"/>
-          </p:nvPr>
-        </p:nvSpPr>
-        <p:spPr/>
-        <p:txBody>
-          <a:bodyPr/>
-          <a:lstStyle/>
-          <a:p>
-            <a:r>
-              <a:rPr lang="hu-HU" dirty="0"/>
-              <a:t>VLAN-ok</a:t>
-            </a:r>
-          </a:p>
-        </p:txBody>
-      </p:sp>
-      <p:pic>
-        <p:nvPicPr>
-          <p:cNvPr id="5" name="Tartalom helye 4">
-            <a:extLst>
-              <a:ext uri="{FF2B5EF4-FFF2-40B4-BE49-F238E27FC236}">
-                <a16:creationId xmlns:a16="http://schemas.microsoft.com/office/drawing/2014/main" id="{F659D829-2455-4E97-A4B8-C10E0A151527}"/>
-              </a:ext>
-            </a:extLst>
-          </p:cNvPr>
-          <p:cNvPicPr>
-            <a:picLocks noGrp="1" noChangeAspect="1"/>
-          </p:cNvPicPr>
-          <p:nvPr>
-            <p:ph idx="1"/>
-          </p:nvPr>
-        </p:nvPicPr>
-        <p:blipFill>
-          <a:blip r:embed="rId2"/>
-          <a:stretch>
-            <a:fillRect/>
-          </a:stretch>
-        </p:blipFill>
-        <p:spPr>
-          <a:xfrm>
-            <a:off x="677334" y="2460444"/>
-            <a:ext cx="10437326" cy="2627578"/>
-          </a:xfrm>
-          <a:prstGeom prst="rect">
-            <a:avLst/>
-          </a:prstGeom>
-        </p:spPr>
-      </p:pic>
-    </p:spTree>
-    <p:extLst>
-      <p:ext uri="{BB962C8B-B14F-4D97-AF65-F5344CB8AC3E}">
-        <p14:creationId xmlns:p14="http://schemas.microsoft.com/office/powerpoint/2010/main" val="3477417688"/>
-      </p:ext>
-    </p:extLst>
-  </p:cSld>
-  <p:clrMapOvr>
-    <a:masterClrMapping/>
-  </p:clrMapOvr>
-</p:sld>
-</file>
-
-<file path=ppt/slides/slide19.xml><?xml version="1.0" encoding="utf-8"?>
-<p:sld xmlns:a="http://schemas.openxmlformats.org/drawingml/2006/main" xmlns:r="http://schemas.openxmlformats.org/officeDocument/2006/relationships" xmlns:p="http://schemas.openxmlformats.org/presentationml/2006/main">
-  <p:cSld>
-    <p:spTree>
-      <p:nvGrpSpPr>
-        <p:cNvPr id="1" name=""/>
-        <p:cNvGrpSpPr/>
-        <p:nvPr/>
-      </p:nvGrpSpPr>
-      <p:grpSpPr>
-        <a:xfrm>
-          <a:off x="0" y="0"/>
-          <a:ext cx="0" cy="0"/>
-          <a:chOff x="0" y="0"/>
-          <a:chExt cx="0" cy="0"/>
-        </a:xfrm>
-      </p:grpSpPr>
-      <p:sp>
-        <p:nvSpPr>
-          <p:cNvPr id="2" name="Cím 1">
-            <a:extLst>
-              <a:ext uri="{FF2B5EF4-FFF2-40B4-BE49-F238E27FC236}">
-                <a16:creationId xmlns:a16="http://schemas.microsoft.com/office/drawing/2014/main" id="{7086242B-6A6A-4701-8B12-824773FE5D40}"/>
-              </a:ext>
-            </a:extLst>
-          </p:cNvPr>
-          <p:cNvSpPr>
-            <a:spLocks noGrp="1"/>
-          </p:cNvSpPr>
-          <p:nvPr>
-            <p:ph type="title"/>
-          </p:nvPr>
-        </p:nvSpPr>
-        <p:spPr/>
-        <p:txBody>
-          <a:bodyPr/>
-          <a:lstStyle/>
-          <a:p>
-            <a:r>
-              <a:rPr lang="hu-HU" dirty="0" err="1"/>
-              <a:t>Termek_router</a:t>
-            </a:r>
-            <a:endParaRPr lang="hu-HU" dirty="0"/>
-          </a:p>
-        </p:txBody>
-      </p:sp>
-      <p:pic>
-        <p:nvPicPr>
-          <p:cNvPr id="4" name="Tartalom helye 3">
-            <a:extLst>
-              <a:ext uri="{FF2B5EF4-FFF2-40B4-BE49-F238E27FC236}">
-                <a16:creationId xmlns:a16="http://schemas.microsoft.com/office/drawing/2014/main" id="{B55E5C6F-89CC-4096-B737-0DF59A35ED13}"/>
-              </a:ext>
-            </a:extLst>
-          </p:cNvPr>
-          <p:cNvPicPr>
-            <a:picLocks noGrp="1" noChangeAspect="1"/>
-          </p:cNvPicPr>
-          <p:nvPr>
-            <p:ph idx="1"/>
-          </p:nvPr>
-        </p:nvPicPr>
-        <p:blipFill>
-          <a:blip r:embed="rId2"/>
-          <a:stretch>
-            <a:fillRect/>
-          </a:stretch>
-        </p:blipFill>
-        <p:spPr>
-          <a:xfrm>
-            <a:off x="850376" y="2286188"/>
-            <a:ext cx="8423626" cy="2285623"/>
-          </a:xfrm>
-          <a:prstGeom prst="rect">
-            <a:avLst/>
-          </a:prstGeom>
-        </p:spPr>
-      </p:pic>
-    </p:spTree>
-    <p:extLst>
-      <p:ext uri="{BB962C8B-B14F-4D97-AF65-F5344CB8AC3E}">
-        <p14:creationId xmlns:p14="http://schemas.microsoft.com/office/powerpoint/2010/main" val="2015659347"/>
+        <p14:creationId xmlns:p14="http://schemas.microsoft.com/office/powerpoint/2010/main" val="3558366068"/>
       </p:ext>
     </p:extLst>
   </p:cSld>
@@ -7563,7 +7136,33 @@
           <a:p>
             <a:r>
               <a:rPr lang="hu-HU" dirty="0"/>
-              <a:t>Nagy Lajos gimnázium</a:t>
+              <a:t>A Karacs Ferenc Gimnázium ipari tanműhelyének hálózata elkülönített tanulói, tanári és szerveres szegmensekből áll.</a:t>
+            </a:r>
+          </a:p>
+          <a:p>
+            <a:r>
+              <a:rPr lang="hu-HU" dirty="0"/>
+              <a:t> A hálózat VLAN-ok alkalmazásával biztosítja az átlátható és biztonságos működést. </a:t>
+            </a:r>
+          </a:p>
+          <a:p>
+            <a:r>
+              <a:rPr lang="hu-HU" dirty="0"/>
+              <a:t>A végponti eszközök </a:t>
+            </a:r>
+            <a:r>
+              <a:rPr lang="hu-HU" dirty="0" err="1"/>
+              <a:t>switcheken</a:t>
+            </a:r>
+            <a:r>
+              <a:rPr lang="hu-HU" dirty="0"/>
+              <a:t> keresztül csatlakoznak, míg a routerek gondoskodnak a hálózati forgalom irányításáról és a vezetékes, illetve vezeték nélküli kapcsolatok működéséről.</a:t>
+            </a:r>
+          </a:p>
+          <a:p>
+            <a:r>
+              <a:rPr lang="hu-HU" dirty="0"/>
+              <a:t> A rendszer oktatási célokra, hálózatépítési és üzemeltetési gyakorlatokhoz készült.</a:t>
             </a:r>
           </a:p>
         </p:txBody>
@@ -7581,7 +7180,298 @@
 </p:sld>
 </file>
 
-<file path=ppt/slides/slide20.xml><?xml version="1.0" encoding="utf-8"?>
+<file path=ppt/slides/slide3.xml><?xml version="1.0" encoding="utf-8"?>
+<p:sld xmlns:a="http://schemas.openxmlformats.org/drawingml/2006/main" xmlns:r="http://schemas.openxmlformats.org/officeDocument/2006/relationships" xmlns:p="http://schemas.openxmlformats.org/presentationml/2006/main">
+  <p:cSld>
+    <p:spTree>
+      <p:nvGrpSpPr>
+        <p:cNvPr id="1" name=""/>
+        <p:cNvGrpSpPr/>
+        <p:nvPr/>
+      </p:nvGrpSpPr>
+      <p:grpSpPr>
+        <a:xfrm>
+          <a:off x="0" y="0"/>
+          <a:ext cx="0" cy="0"/>
+          <a:chOff x="0" y="0"/>
+          <a:chExt cx="0" cy="0"/>
+        </a:xfrm>
+      </p:grpSpPr>
+      <p:sp>
+        <p:nvSpPr>
+          <p:cNvPr id="2" name="Cím 1">
+            <a:extLst>
+              <a:ext uri="{FF2B5EF4-FFF2-40B4-BE49-F238E27FC236}">
+                <a16:creationId xmlns:a16="http://schemas.microsoft.com/office/drawing/2014/main" id="{0A28E6AE-2B73-40A7-9627-D2CE08C9BD4D}"/>
+              </a:ext>
+            </a:extLst>
+          </p:cNvPr>
+          <p:cNvSpPr>
+            <a:spLocks noGrp="1"/>
+          </p:cNvSpPr>
+          <p:nvPr>
+            <p:ph type="title"/>
+          </p:nvPr>
+        </p:nvSpPr>
+        <p:spPr/>
+        <p:txBody>
+          <a:bodyPr/>
+          <a:lstStyle/>
+          <a:p>
+            <a:r>
+              <a:rPr lang="hu-HU" dirty="0"/>
+              <a:t>A hálózati terv</a:t>
+            </a:r>
+          </a:p>
+        </p:txBody>
+      </p:sp>
+      <p:sp>
+        <p:nvSpPr>
+          <p:cNvPr id="3" name="Tartalom helye 2">
+            <a:extLst>
+              <a:ext uri="{FF2B5EF4-FFF2-40B4-BE49-F238E27FC236}">
+                <a16:creationId xmlns:a16="http://schemas.microsoft.com/office/drawing/2014/main" id="{20A67A03-272B-4658-8E1C-6F7EB8B40AE4}"/>
+              </a:ext>
+            </a:extLst>
+          </p:cNvPr>
+          <p:cNvSpPr>
+            <a:spLocks noGrp="1"/>
+          </p:cNvSpPr>
+          <p:nvPr>
+            <p:ph idx="1"/>
+          </p:nvPr>
+        </p:nvSpPr>
+        <p:spPr/>
+        <p:txBody>
+          <a:bodyPr/>
+          <a:lstStyle/>
+          <a:p>
+            <a:r>
+              <a:rPr lang="hu-HU" dirty="0"/>
+              <a:t>holnap</a:t>
+            </a:r>
+          </a:p>
+        </p:txBody>
+      </p:sp>
+    </p:spTree>
+    <p:extLst>
+      <p:ext uri="{BB962C8B-B14F-4D97-AF65-F5344CB8AC3E}">
+        <p14:creationId xmlns:p14="http://schemas.microsoft.com/office/powerpoint/2010/main" val="2706577956"/>
+      </p:ext>
+    </p:extLst>
+  </p:cSld>
+  <p:clrMapOvr>
+    <a:masterClrMapping/>
+  </p:clrMapOvr>
+</p:sld>
+</file>
+
+<file path=ppt/slides/slide4.xml><?xml version="1.0" encoding="utf-8"?>
+<p:sld xmlns:a="http://schemas.openxmlformats.org/drawingml/2006/main" xmlns:r="http://schemas.openxmlformats.org/officeDocument/2006/relationships" xmlns:p="http://schemas.openxmlformats.org/presentationml/2006/main">
+  <p:cSld>
+    <p:spTree>
+      <p:nvGrpSpPr>
+        <p:cNvPr id="1" name=""/>
+        <p:cNvGrpSpPr/>
+        <p:nvPr/>
+      </p:nvGrpSpPr>
+      <p:grpSpPr>
+        <a:xfrm>
+          <a:off x="0" y="0"/>
+          <a:ext cx="0" cy="0"/>
+          <a:chOff x="0" y="0"/>
+          <a:chExt cx="0" cy="0"/>
+        </a:xfrm>
+      </p:grpSpPr>
+      <p:sp>
+        <p:nvSpPr>
+          <p:cNvPr id="2" name="Cím 1">
+            <a:extLst>
+              <a:ext uri="{FF2B5EF4-FFF2-40B4-BE49-F238E27FC236}">
+                <a16:creationId xmlns:a16="http://schemas.microsoft.com/office/drawing/2014/main" id="{805604C7-615C-407C-8718-995935FE5DD4}"/>
+              </a:ext>
+            </a:extLst>
+          </p:cNvPr>
+          <p:cNvSpPr>
+            <a:spLocks noGrp="1"/>
+          </p:cNvSpPr>
+          <p:nvPr>
+            <p:ph type="title"/>
+          </p:nvPr>
+        </p:nvSpPr>
+        <p:spPr/>
+        <p:txBody>
+          <a:bodyPr/>
+          <a:lstStyle/>
+          <a:p>
+            <a:r>
+              <a:rPr lang="hu-HU" dirty="0" err="1"/>
+              <a:t>Vlanok</a:t>
+            </a:r>
+            <a:endParaRPr lang="hu-HU" dirty="0"/>
+          </a:p>
+        </p:txBody>
+      </p:sp>
+      <p:sp>
+        <p:nvSpPr>
+          <p:cNvPr id="3" name="Tartalom helye 2">
+            <a:extLst>
+              <a:ext uri="{FF2B5EF4-FFF2-40B4-BE49-F238E27FC236}">
+                <a16:creationId xmlns:a16="http://schemas.microsoft.com/office/drawing/2014/main" id="{E2A7C40E-49F9-453A-9DC7-41611BA4CFB7}"/>
+              </a:ext>
+            </a:extLst>
+          </p:cNvPr>
+          <p:cNvSpPr>
+            <a:spLocks noGrp="1"/>
+          </p:cNvSpPr>
+          <p:nvPr>
+            <p:ph idx="1"/>
+          </p:nvPr>
+        </p:nvSpPr>
+        <p:spPr/>
+        <p:txBody>
+          <a:bodyPr/>
+          <a:lstStyle/>
+          <a:p>
+            <a:endParaRPr lang="hu-HU"/>
+          </a:p>
+        </p:txBody>
+      </p:sp>
+      <p:pic>
+        <p:nvPicPr>
+          <p:cNvPr id="4" name="Kép 3">
+            <a:extLst>
+              <a:ext uri="{FF2B5EF4-FFF2-40B4-BE49-F238E27FC236}">
+                <a16:creationId xmlns:a16="http://schemas.microsoft.com/office/drawing/2014/main" id="{C326AD81-0A25-400E-ABE2-728AC2EDCDED}"/>
+              </a:ext>
+            </a:extLst>
+          </p:cNvPr>
+          <p:cNvPicPr>
+            <a:picLocks noChangeAspect="1"/>
+          </p:cNvPicPr>
+          <p:nvPr/>
+        </p:nvPicPr>
+        <p:blipFill>
+          <a:blip r:embed="rId2"/>
+          <a:stretch>
+            <a:fillRect/>
+          </a:stretch>
+        </p:blipFill>
+        <p:spPr>
+          <a:xfrm>
+            <a:off x="324996" y="2168766"/>
+            <a:ext cx="10011860" cy="2520468"/>
+          </a:xfrm>
+          <a:prstGeom prst="rect">
+            <a:avLst/>
+          </a:prstGeom>
+        </p:spPr>
+      </p:pic>
+    </p:spTree>
+    <p:extLst>
+      <p:ext uri="{BB962C8B-B14F-4D97-AF65-F5344CB8AC3E}">
+        <p14:creationId xmlns:p14="http://schemas.microsoft.com/office/powerpoint/2010/main" val="3477417688"/>
+      </p:ext>
+    </p:extLst>
+  </p:cSld>
+  <p:clrMapOvr>
+    <a:masterClrMapping/>
+  </p:clrMapOvr>
+</p:sld>
+</file>
+
+<file path=ppt/slides/slide5.xml><?xml version="1.0" encoding="utf-8"?>
+<p:sld xmlns:a="http://schemas.openxmlformats.org/drawingml/2006/main" xmlns:r="http://schemas.openxmlformats.org/officeDocument/2006/relationships" xmlns:p="http://schemas.openxmlformats.org/presentationml/2006/main">
+  <p:cSld>
+    <p:spTree>
+      <p:nvGrpSpPr>
+        <p:cNvPr id="1" name=""/>
+        <p:cNvGrpSpPr/>
+        <p:nvPr/>
+      </p:nvGrpSpPr>
+      <p:grpSpPr>
+        <a:xfrm>
+          <a:off x="0" y="0"/>
+          <a:ext cx="0" cy="0"/>
+          <a:chOff x="0" y="0"/>
+          <a:chExt cx="0" cy="0"/>
+        </a:xfrm>
+      </p:grpSpPr>
+      <p:sp>
+        <p:nvSpPr>
+          <p:cNvPr id="2" name="Cím 1">
+            <a:extLst>
+              <a:ext uri="{FF2B5EF4-FFF2-40B4-BE49-F238E27FC236}">
+                <a16:creationId xmlns:a16="http://schemas.microsoft.com/office/drawing/2014/main" id="{7086242B-6A6A-4701-8B12-824773FE5D40}"/>
+              </a:ext>
+            </a:extLst>
+          </p:cNvPr>
+          <p:cNvSpPr>
+            <a:spLocks noGrp="1"/>
+          </p:cNvSpPr>
+          <p:nvPr>
+            <p:ph type="title"/>
+          </p:nvPr>
+        </p:nvSpPr>
+        <p:spPr/>
+        <p:txBody>
+          <a:bodyPr/>
+          <a:lstStyle/>
+          <a:p>
+            <a:r>
+              <a:rPr lang="hu-HU" dirty="0" err="1"/>
+              <a:t>Termek_router</a:t>
+            </a:r>
+            <a:endParaRPr lang="hu-HU" dirty="0"/>
+          </a:p>
+        </p:txBody>
+      </p:sp>
+      <p:pic>
+        <p:nvPicPr>
+          <p:cNvPr id="6" name="Tartalom helye 5">
+            <a:extLst>
+              <a:ext uri="{FF2B5EF4-FFF2-40B4-BE49-F238E27FC236}">
+                <a16:creationId xmlns:a16="http://schemas.microsoft.com/office/drawing/2014/main" id="{5B2C4A99-1EBE-4763-8D33-5899D279770E}"/>
+              </a:ext>
+            </a:extLst>
+          </p:cNvPr>
+          <p:cNvPicPr>
+            <a:picLocks noGrp="1" noChangeAspect="1"/>
+          </p:cNvPicPr>
+          <p:nvPr>
+            <p:ph idx="1"/>
+          </p:nvPr>
+        </p:nvPicPr>
+        <p:blipFill>
+          <a:blip r:embed="rId2"/>
+          <a:stretch>
+            <a:fillRect/>
+          </a:stretch>
+        </p:blipFill>
+        <p:spPr>
+          <a:xfrm>
+            <a:off x="2091075" y="2662783"/>
+            <a:ext cx="5947446" cy="2264818"/>
+          </a:xfrm>
+          <a:prstGeom prst="rect">
+            <a:avLst/>
+          </a:prstGeom>
+        </p:spPr>
+      </p:pic>
+    </p:spTree>
+    <p:extLst>
+      <p:ext uri="{BB962C8B-B14F-4D97-AF65-F5344CB8AC3E}">
+        <p14:creationId xmlns:p14="http://schemas.microsoft.com/office/powerpoint/2010/main" val="2015659347"/>
+      </p:ext>
+    </p:extLst>
+  </p:cSld>
+  <p:clrMapOvr>
+    <a:masterClrMapping/>
+  </p:clrMapOvr>
+</p:sld>
+</file>
+
+<file path=ppt/slides/slide6.xml><?xml version="1.0" encoding="utf-8"?>
 <p:sld xmlns:a="http://schemas.openxmlformats.org/drawingml/2006/main" xmlns:r="http://schemas.openxmlformats.org/officeDocument/2006/relationships" xmlns:p="http://schemas.openxmlformats.org/presentationml/2006/main">
   <p:cSld>
     <p:spTree>
@@ -7680,7 +7570,7 @@
 </p:sld>
 </file>
 
-<file path=ppt/slides/slide21.xml><?xml version="1.0" encoding="utf-8"?>
+<file path=ppt/slides/slide7.xml><?xml version="1.0" encoding="utf-8"?>
 <p:sld xmlns:a="http://schemas.openxmlformats.org/drawingml/2006/main" xmlns:r="http://schemas.openxmlformats.org/officeDocument/2006/relationships" xmlns:p="http://schemas.openxmlformats.org/presentationml/2006/main">
   <p:cSld>
     <p:spTree>
@@ -7725,21 +7615,44 @@
           </a:p>
         </p:txBody>
       </p:sp>
+      <p:sp>
+        <p:nvSpPr>
+          <p:cNvPr id="6" name="Tartalom helye 5">
+            <a:extLst>
+              <a:ext uri="{FF2B5EF4-FFF2-40B4-BE49-F238E27FC236}">
+                <a16:creationId xmlns:a16="http://schemas.microsoft.com/office/drawing/2014/main" id="{108FFBA7-B57F-4309-A224-EA3E9573D1CD}"/>
+              </a:ext>
+            </a:extLst>
+          </p:cNvPr>
+          <p:cNvSpPr>
+            <a:spLocks noGrp="1"/>
+          </p:cNvSpPr>
+          <p:nvPr>
+            <p:ph idx="1"/>
+          </p:nvPr>
+        </p:nvSpPr>
+        <p:spPr/>
+        <p:txBody>
+          <a:bodyPr/>
+          <a:lstStyle/>
+          <a:p>
+            <a:endParaRPr lang="hu-HU"/>
+          </a:p>
+        </p:txBody>
+      </p:sp>
       <p:pic>
         <p:nvPicPr>
-          <p:cNvPr id="5" name="Tartalom helye 4">
+          <p:cNvPr id="7" name="Kép 6">
             <a:extLst>
               <a:ext uri="{FF2B5EF4-FFF2-40B4-BE49-F238E27FC236}">
-                <a16:creationId xmlns:a16="http://schemas.microsoft.com/office/drawing/2014/main" id="{97A90FC0-5516-41BA-8977-D3C59B56E984}"/>
+                <a16:creationId xmlns:a16="http://schemas.microsoft.com/office/drawing/2014/main" id="{C6EDFC2C-BBBF-444D-8E6D-2C95C8423C95}"/>
               </a:ext>
             </a:extLst>
           </p:cNvPr>
           <p:cNvPicPr>
-            <a:picLocks noGrp="1" noChangeAspect="1"/>
+            <a:picLocks noChangeAspect="1"/>
           </p:cNvPicPr>
-          <p:nvPr>
-            <p:ph idx="1"/>
-          </p:nvPr>
+          <p:nvPr/>
         </p:nvPicPr>
         <p:blipFill>
           <a:blip r:embed="rId2"/>
@@ -7749,8 +7662,8 @@
         </p:blipFill>
         <p:spPr>
           <a:xfrm>
-            <a:off x="677334" y="2335641"/>
-            <a:ext cx="10350456" cy="2186717"/>
+            <a:off x="677334" y="2284211"/>
+            <a:ext cx="8124143" cy="1716369"/>
           </a:xfrm>
           <a:prstGeom prst="rect">
             <a:avLst/>
@@ -7770,7 +7683,7 @@
 </p:sld>
 </file>
 
-<file path=ppt/slides/slide22.xml><?xml version="1.0" encoding="utf-8"?>
+<file path=ppt/slides/slide8.xml><?xml version="1.0" encoding="utf-8"?>
 <p:sld xmlns:a="http://schemas.openxmlformats.org/drawingml/2006/main" xmlns:r="http://schemas.openxmlformats.org/officeDocument/2006/relationships" xmlns:p="http://schemas.openxmlformats.org/presentationml/2006/main">
   <p:cSld>
     <p:spTree>
@@ -7860,7 +7773,7 @@
 </p:sld>
 </file>
 
-<file path=ppt/slides/slide23.xml><?xml version="1.0" encoding="utf-8"?>
+<file path=ppt/slides/slide9.xml><?xml version="1.0" encoding="utf-8"?>
 <p:sld xmlns:a="http://schemas.openxmlformats.org/drawingml/2006/main" xmlns:r="http://schemas.openxmlformats.org/officeDocument/2006/relationships" xmlns:p="http://schemas.openxmlformats.org/presentationml/2006/main">
   <p:cSld>
     <p:spTree>
@@ -7952,8 +7865,8 @@
         </p:blipFill>
         <p:spPr>
           <a:xfrm>
-            <a:off x="180422" y="2160589"/>
-            <a:ext cx="10038399" cy="2181491"/>
+            <a:off x="677334" y="2251444"/>
+            <a:ext cx="8114617" cy="1763425"/>
           </a:xfrm>
           <a:prstGeom prst="rect">
             <a:avLst/>
@@ -7964,2034 +7877,6 @@
     <p:extLst>
       <p:ext uri="{BB962C8B-B14F-4D97-AF65-F5344CB8AC3E}">
         <p14:creationId xmlns:p14="http://schemas.microsoft.com/office/powerpoint/2010/main" val="896725170"/>
-      </p:ext>
-    </p:extLst>
-  </p:cSld>
-  <p:clrMapOvr>
-    <a:masterClrMapping/>
-  </p:clrMapOvr>
-</p:sld>
-</file>
-
-<file path=ppt/slides/slide24.xml><?xml version="1.0" encoding="utf-8"?>
-<p:sld xmlns:a="http://schemas.openxmlformats.org/drawingml/2006/main" xmlns:r="http://schemas.openxmlformats.org/officeDocument/2006/relationships" xmlns:p="http://schemas.openxmlformats.org/presentationml/2006/main">
-  <p:cSld>
-    <p:spTree>
-      <p:nvGrpSpPr>
-        <p:cNvPr id="1" name=""/>
-        <p:cNvGrpSpPr/>
-        <p:nvPr/>
-      </p:nvGrpSpPr>
-      <p:grpSpPr>
-        <a:xfrm>
-          <a:off x="0" y="0"/>
-          <a:ext cx="0" cy="0"/>
-          <a:chOff x="0" y="0"/>
-          <a:chExt cx="0" cy="0"/>
-        </a:xfrm>
-      </p:grpSpPr>
-      <p:sp>
-        <p:nvSpPr>
-          <p:cNvPr id="2" name="Cím 1">
-            <a:extLst>
-              <a:ext uri="{FF2B5EF4-FFF2-40B4-BE49-F238E27FC236}">
-                <a16:creationId xmlns:a16="http://schemas.microsoft.com/office/drawing/2014/main" id="{B3A8D8D6-C272-48DB-932C-2B2F426D63D2}"/>
-              </a:ext>
-            </a:extLst>
-          </p:cNvPr>
-          <p:cNvSpPr>
-            <a:spLocks noGrp="1"/>
-          </p:cNvSpPr>
-          <p:nvPr>
-            <p:ph type="title"/>
-          </p:nvPr>
-        </p:nvSpPr>
-        <p:spPr/>
-        <p:txBody>
-          <a:bodyPr/>
-          <a:lstStyle/>
-          <a:p>
-            <a:r>
-              <a:rPr lang="hu-HU" dirty="0" err="1"/>
-              <a:t>Titkarsag</a:t>
-            </a:r>
-            <a:endParaRPr lang="hu-HU" dirty="0"/>
-          </a:p>
-        </p:txBody>
-      </p:sp>
-      <p:sp>
-        <p:nvSpPr>
-          <p:cNvPr id="3" name="Tartalom helye 2">
-            <a:extLst>
-              <a:ext uri="{FF2B5EF4-FFF2-40B4-BE49-F238E27FC236}">
-                <a16:creationId xmlns:a16="http://schemas.microsoft.com/office/drawing/2014/main" id="{BF866790-4382-4CC5-85B9-D77D5C6B5A58}"/>
-              </a:ext>
-            </a:extLst>
-          </p:cNvPr>
-          <p:cNvSpPr>
-            <a:spLocks noGrp="1"/>
-          </p:cNvSpPr>
-          <p:nvPr>
-            <p:ph idx="1"/>
-          </p:nvPr>
-        </p:nvSpPr>
-        <p:spPr/>
-        <p:txBody>
-          <a:bodyPr/>
-          <a:lstStyle/>
-          <a:p>
-            <a:endParaRPr lang="hu-HU" dirty="0"/>
-          </a:p>
-        </p:txBody>
-      </p:sp>
-      <p:pic>
-        <p:nvPicPr>
-          <p:cNvPr id="5" name="Kép 4">
-            <a:extLst>
-              <a:ext uri="{FF2B5EF4-FFF2-40B4-BE49-F238E27FC236}">
-                <a16:creationId xmlns:a16="http://schemas.microsoft.com/office/drawing/2014/main" id="{F183A7CC-2860-4D5F-8816-5EE21C7FA6D3}"/>
-              </a:ext>
-            </a:extLst>
-          </p:cNvPr>
-          <p:cNvPicPr>
-            <a:picLocks noChangeAspect="1"/>
-          </p:cNvPicPr>
-          <p:nvPr/>
-        </p:nvPicPr>
-        <p:blipFill>
-          <a:blip r:embed="rId2"/>
-          <a:stretch>
-            <a:fillRect/>
-          </a:stretch>
-        </p:blipFill>
-        <p:spPr>
-          <a:xfrm>
-            <a:off x="677334" y="2533436"/>
-            <a:ext cx="8596668" cy="1612826"/>
-          </a:xfrm>
-          <a:prstGeom prst="rect">
-            <a:avLst/>
-          </a:prstGeom>
-        </p:spPr>
-      </p:pic>
-    </p:spTree>
-    <p:extLst>
-      <p:ext uri="{BB962C8B-B14F-4D97-AF65-F5344CB8AC3E}">
-        <p14:creationId xmlns:p14="http://schemas.microsoft.com/office/powerpoint/2010/main" val="3694272792"/>
-      </p:ext>
-    </p:extLst>
-  </p:cSld>
-  <p:clrMapOvr>
-    <a:masterClrMapping/>
-  </p:clrMapOvr>
-</p:sld>
-</file>
-
-<file path=ppt/slides/slide25.xml><?xml version="1.0" encoding="utf-8"?>
-<p:sld xmlns:a="http://schemas.openxmlformats.org/drawingml/2006/main" xmlns:r="http://schemas.openxmlformats.org/officeDocument/2006/relationships" xmlns:p="http://schemas.openxmlformats.org/presentationml/2006/main">
-  <p:cSld>
-    <p:spTree>
-      <p:nvGrpSpPr>
-        <p:cNvPr id="1" name=""/>
-        <p:cNvGrpSpPr/>
-        <p:nvPr/>
-      </p:nvGrpSpPr>
-      <p:grpSpPr>
-        <a:xfrm>
-          <a:off x="0" y="0"/>
-          <a:ext cx="0" cy="0"/>
-          <a:chOff x="0" y="0"/>
-          <a:chExt cx="0" cy="0"/>
-        </a:xfrm>
-      </p:grpSpPr>
-      <p:sp>
-        <p:nvSpPr>
-          <p:cNvPr id="2" name="Cím 1">
-            <a:extLst>
-              <a:ext uri="{FF2B5EF4-FFF2-40B4-BE49-F238E27FC236}">
-                <a16:creationId xmlns:a16="http://schemas.microsoft.com/office/drawing/2014/main" id="{7EF5E8EC-5E7F-4CAC-AF2B-7384DE9ED2F3}"/>
-              </a:ext>
-            </a:extLst>
-          </p:cNvPr>
-          <p:cNvSpPr>
-            <a:spLocks noGrp="1"/>
-          </p:cNvSpPr>
-          <p:nvPr>
-            <p:ph type="title"/>
-          </p:nvPr>
-        </p:nvSpPr>
-        <p:spPr/>
-        <p:txBody>
-          <a:bodyPr/>
-          <a:lstStyle/>
-          <a:p>
-            <a:r>
-              <a:rPr lang="hu-HU" dirty="0"/>
-              <a:t>Tanári</a:t>
-            </a:r>
-          </a:p>
-        </p:txBody>
-      </p:sp>
-      <p:pic>
-        <p:nvPicPr>
-          <p:cNvPr id="5" name="Tartalom helye 4">
-            <a:extLst>
-              <a:ext uri="{FF2B5EF4-FFF2-40B4-BE49-F238E27FC236}">
-                <a16:creationId xmlns:a16="http://schemas.microsoft.com/office/drawing/2014/main" id="{22FBA64A-16A9-4828-8EBA-933D4A642E5F}"/>
-              </a:ext>
-            </a:extLst>
-          </p:cNvPr>
-          <p:cNvPicPr>
-            <a:picLocks noGrp="1" noChangeAspect="1"/>
-          </p:cNvPicPr>
-          <p:nvPr>
-            <p:ph idx="1"/>
-          </p:nvPr>
-        </p:nvPicPr>
-        <p:blipFill>
-          <a:blip r:embed="rId2"/>
-          <a:stretch>
-            <a:fillRect/>
-          </a:stretch>
-        </p:blipFill>
-        <p:spPr>
-          <a:xfrm>
-            <a:off x="677333" y="2808594"/>
-            <a:ext cx="9814203" cy="1776561"/>
-          </a:xfrm>
-          <a:prstGeom prst="rect">
-            <a:avLst/>
-          </a:prstGeom>
-        </p:spPr>
-      </p:pic>
-    </p:spTree>
-    <p:extLst>
-      <p:ext uri="{BB962C8B-B14F-4D97-AF65-F5344CB8AC3E}">
-        <p14:creationId xmlns:p14="http://schemas.microsoft.com/office/powerpoint/2010/main" val="865281002"/>
-      </p:ext>
-    </p:extLst>
-  </p:cSld>
-  <p:clrMapOvr>
-    <a:masterClrMapping/>
-  </p:clrMapOvr>
-</p:sld>
-</file>
-
-<file path=ppt/slides/slide26.xml><?xml version="1.0" encoding="utf-8"?>
-<p:sld xmlns:a="http://schemas.openxmlformats.org/drawingml/2006/main" xmlns:r="http://schemas.openxmlformats.org/officeDocument/2006/relationships" xmlns:p="http://schemas.openxmlformats.org/presentationml/2006/main">
-  <p:cSld>
-    <p:spTree>
-      <p:nvGrpSpPr>
-        <p:cNvPr id="1" name=""/>
-        <p:cNvGrpSpPr/>
-        <p:nvPr/>
-      </p:nvGrpSpPr>
-      <p:grpSpPr>
-        <a:xfrm>
-          <a:off x="0" y="0"/>
-          <a:ext cx="0" cy="0"/>
-          <a:chOff x="0" y="0"/>
-          <a:chExt cx="0" cy="0"/>
-        </a:xfrm>
-      </p:grpSpPr>
-      <p:sp>
-        <p:nvSpPr>
-          <p:cNvPr id="2" name="Cím 1">
-            <a:extLst>
-              <a:ext uri="{FF2B5EF4-FFF2-40B4-BE49-F238E27FC236}">
-                <a16:creationId xmlns:a16="http://schemas.microsoft.com/office/drawing/2014/main" id="{57870B47-F069-426F-A517-39DBAB370379}"/>
-              </a:ext>
-            </a:extLst>
-          </p:cNvPr>
-          <p:cNvSpPr>
-            <a:spLocks noGrp="1"/>
-          </p:cNvSpPr>
-          <p:nvPr>
-            <p:ph type="ctrTitle"/>
-          </p:nvPr>
-        </p:nvSpPr>
-        <p:spPr/>
-        <p:txBody>
-          <a:bodyPr/>
-          <a:lstStyle/>
-          <a:p>
-            <a:r>
-              <a:rPr lang="hu-HU" dirty="0"/>
-              <a:t>Az Ipari</a:t>
-            </a:r>
-          </a:p>
-        </p:txBody>
-      </p:sp>
-      <p:sp>
-        <p:nvSpPr>
-          <p:cNvPr id="3" name="Alcím 2">
-            <a:extLst>
-              <a:ext uri="{FF2B5EF4-FFF2-40B4-BE49-F238E27FC236}">
-                <a16:creationId xmlns:a16="http://schemas.microsoft.com/office/drawing/2014/main" id="{B2F9B82D-52A4-4D8E-98C9-B42ECB744A1C}"/>
-              </a:ext>
-            </a:extLst>
-          </p:cNvPr>
-          <p:cNvSpPr>
-            <a:spLocks noGrp="1"/>
-          </p:cNvSpPr>
-          <p:nvPr>
-            <p:ph type="subTitle" idx="1"/>
-          </p:nvPr>
-        </p:nvSpPr>
-        <p:spPr/>
-        <p:txBody>
-          <a:bodyPr/>
-          <a:lstStyle/>
-          <a:p>
-            <a:endParaRPr lang="hu-HU"/>
-          </a:p>
-        </p:txBody>
-      </p:sp>
-    </p:spTree>
-    <p:extLst>
-      <p:ext uri="{BB962C8B-B14F-4D97-AF65-F5344CB8AC3E}">
-        <p14:creationId xmlns:p14="http://schemas.microsoft.com/office/powerpoint/2010/main" val="284153838"/>
-      </p:ext>
-    </p:extLst>
-  </p:cSld>
-  <p:clrMapOvr>
-    <a:masterClrMapping/>
-  </p:clrMapOvr>
-</p:sld>
-</file>
-
-<file path=ppt/slides/slide27.xml><?xml version="1.0" encoding="utf-8"?>
-<p:sld xmlns:a="http://schemas.openxmlformats.org/drawingml/2006/main" xmlns:r="http://schemas.openxmlformats.org/officeDocument/2006/relationships" xmlns:p="http://schemas.openxmlformats.org/presentationml/2006/main">
-  <p:cSld>
-    <p:spTree>
-      <p:nvGrpSpPr>
-        <p:cNvPr id="1" name=""/>
-        <p:cNvGrpSpPr/>
-        <p:nvPr/>
-      </p:nvGrpSpPr>
-      <p:grpSpPr>
-        <a:xfrm>
-          <a:off x="0" y="0"/>
-          <a:ext cx="0" cy="0"/>
-          <a:chOff x="0" y="0"/>
-          <a:chExt cx="0" cy="0"/>
-        </a:xfrm>
-      </p:grpSpPr>
-      <p:sp>
-        <p:nvSpPr>
-          <p:cNvPr id="2" name="Cím 1">
-            <a:extLst>
-              <a:ext uri="{FF2B5EF4-FFF2-40B4-BE49-F238E27FC236}">
-                <a16:creationId xmlns:a16="http://schemas.microsoft.com/office/drawing/2014/main" id="{C25898DF-9A18-427F-931B-8610531D3BF1}"/>
-              </a:ext>
-            </a:extLst>
-          </p:cNvPr>
-          <p:cNvSpPr>
-            <a:spLocks noGrp="1"/>
-          </p:cNvSpPr>
-          <p:nvPr>
-            <p:ph type="title"/>
-          </p:nvPr>
-        </p:nvSpPr>
-        <p:spPr/>
-        <p:txBody>
-          <a:bodyPr/>
-          <a:lstStyle/>
-          <a:p>
-            <a:r>
-              <a:rPr lang="hu-HU" dirty="0"/>
-              <a:t>Ipari</a:t>
-            </a:r>
-          </a:p>
-        </p:txBody>
-      </p:sp>
-      <p:sp>
-        <p:nvSpPr>
-          <p:cNvPr id="3" name="Tartalom helye 2">
-            <a:extLst>
-              <a:ext uri="{FF2B5EF4-FFF2-40B4-BE49-F238E27FC236}">
-                <a16:creationId xmlns:a16="http://schemas.microsoft.com/office/drawing/2014/main" id="{0DDC7EEA-E8B7-4D11-89FA-0832B4E59DBE}"/>
-              </a:ext>
-            </a:extLst>
-          </p:cNvPr>
-          <p:cNvSpPr>
-            <a:spLocks noGrp="1"/>
-          </p:cNvSpPr>
-          <p:nvPr>
-            <p:ph sz="half" idx="1"/>
-          </p:nvPr>
-        </p:nvSpPr>
-        <p:spPr/>
-        <p:txBody>
-          <a:bodyPr/>
-          <a:lstStyle/>
-          <a:p>
-            <a:endParaRPr lang="hu-HU" dirty="0"/>
-          </a:p>
-        </p:txBody>
-      </p:sp>
-      <p:pic>
-        <p:nvPicPr>
-          <p:cNvPr id="8" name="Tartalom helye 7">
-            <a:extLst>
-              <a:ext uri="{FF2B5EF4-FFF2-40B4-BE49-F238E27FC236}">
-                <a16:creationId xmlns:a16="http://schemas.microsoft.com/office/drawing/2014/main" id="{9F4A15D0-D33C-4E6A-A680-248D2A67D23F}"/>
-              </a:ext>
-            </a:extLst>
-          </p:cNvPr>
-          <p:cNvPicPr>
-            <a:picLocks noGrp="1" noChangeAspect="1"/>
-          </p:cNvPicPr>
-          <p:nvPr>
-            <p:ph sz="half" idx="2"/>
-          </p:nvPr>
-        </p:nvPicPr>
-        <p:blipFill>
-          <a:blip r:embed="rId2"/>
-          <a:stretch>
-            <a:fillRect/>
-          </a:stretch>
-        </p:blipFill>
-        <p:spPr>
-          <a:xfrm>
-            <a:off x="5410367" y="1930400"/>
-            <a:ext cx="5434096" cy="4245137"/>
-          </a:xfrm>
-          <a:prstGeom prst="rect">
-            <a:avLst/>
-          </a:prstGeom>
-        </p:spPr>
-      </p:pic>
-    </p:spTree>
-    <p:extLst>
-      <p:ext uri="{BB962C8B-B14F-4D97-AF65-F5344CB8AC3E}">
-        <p14:creationId xmlns:p14="http://schemas.microsoft.com/office/powerpoint/2010/main" val="1311130057"/>
-      </p:ext>
-    </p:extLst>
-  </p:cSld>
-  <p:clrMapOvr>
-    <a:masterClrMapping/>
-  </p:clrMapOvr>
-</p:sld>
-</file>
-
-<file path=ppt/slides/slide28.xml><?xml version="1.0" encoding="utf-8"?>
-<p:sld xmlns:a="http://schemas.openxmlformats.org/drawingml/2006/main" xmlns:r="http://schemas.openxmlformats.org/officeDocument/2006/relationships" xmlns:p="http://schemas.openxmlformats.org/presentationml/2006/main">
-  <p:cSld>
-    <p:spTree>
-      <p:nvGrpSpPr>
-        <p:cNvPr id="1" name=""/>
-        <p:cNvGrpSpPr/>
-        <p:nvPr/>
-      </p:nvGrpSpPr>
-      <p:grpSpPr>
-        <a:xfrm>
-          <a:off x="0" y="0"/>
-          <a:ext cx="0" cy="0"/>
-          <a:chOff x="0" y="0"/>
-          <a:chExt cx="0" cy="0"/>
-        </a:xfrm>
-      </p:grpSpPr>
-      <p:sp>
-        <p:nvSpPr>
-          <p:cNvPr id="2" name="Cím 1">
-            <a:extLst>
-              <a:ext uri="{FF2B5EF4-FFF2-40B4-BE49-F238E27FC236}">
-                <a16:creationId xmlns:a16="http://schemas.microsoft.com/office/drawing/2014/main" id="{C93BDBE4-61FC-4609-B7F1-95C76605FADC}"/>
-              </a:ext>
-            </a:extLst>
-          </p:cNvPr>
-          <p:cNvSpPr>
-            <a:spLocks noGrp="1"/>
-          </p:cNvSpPr>
-          <p:nvPr>
-            <p:ph type="title"/>
-          </p:nvPr>
-        </p:nvSpPr>
-        <p:spPr/>
-        <p:txBody>
-          <a:bodyPr/>
-          <a:lstStyle/>
-          <a:p>
-            <a:r>
-              <a:rPr lang="hu-HU" dirty="0"/>
-              <a:t>Alapkonfiguráció Ipari </a:t>
-            </a:r>
-            <a:r>
-              <a:rPr lang="hu-HU" dirty="0" err="1"/>
-              <a:t>switch</a:t>
-            </a:r>
-            <a:endParaRPr lang="hu-HU" dirty="0"/>
-          </a:p>
-        </p:txBody>
-      </p:sp>
-      <p:sp>
-        <p:nvSpPr>
-          <p:cNvPr id="3" name="Tartalom helye 2">
-            <a:extLst>
-              <a:ext uri="{FF2B5EF4-FFF2-40B4-BE49-F238E27FC236}">
-                <a16:creationId xmlns:a16="http://schemas.microsoft.com/office/drawing/2014/main" id="{4108F656-B9A0-41AC-BD30-902D78A0B6B7}"/>
-              </a:ext>
-            </a:extLst>
-          </p:cNvPr>
-          <p:cNvSpPr>
-            <a:spLocks noGrp="1"/>
-          </p:cNvSpPr>
-          <p:nvPr>
-            <p:ph idx="1"/>
-          </p:nvPr>
-        </p:nvSpPr>
-        <p:spPr/>
-        <p:txBody>
-          <a:bodyPr/>
-          <a:lstStyle/>
-          <a:p>
-            <a:r>
-              <a:rPr lang="hu-HU" dirty="0" err="1"/>
-              <a:t>hostname</a:t>
-            </a:r>
-            <a:r>
-              <a:rPr lang="hu-HU" dirty="0"/>
-              <a:t>: </a:t>
-            </a:r>
-            <a:r>
-              <a:rPr lang="hu-HU" dirty="0" err="1"/>
-              <a:t>ipari_switch</a:t>
-            </a:r>
-            <a:endParaRPr lang="hu-HU" dirty="0"/>
-          </a:p>
-          <a:p>
-            <a:r>
-              <a:rPr lang="hu-HU" dirty="0" err="1"/>
-              <a:t>enable</a:t>
-            </a:r>
-            <a:r>
-              <a:rPr lang="hu-HU" dirty="0"/>
-              <a:t> </a:t>
-            </a:r>
-            <a:r>
-              <a:rPr lang="hu-HU" dirty="0" err="1"/>
-              <a:t>secret</a:t>
-            </a:r>
-            <a:r>
-              <a:rPr lang="hu-HU" dirty="0"/>
-              <a:t>: </a:t>
-            </a:r>
-            <a:r>
-              <a:rPr lang="hu-HU" dirty="0" err="1"/>
-              <a:t>cisco</a:t>
-            </a:r>
-            <a:endParaRPr lang="hu-HU" dirty="0"/>
-          </a:p>
-          <a:p>
-            <a:r>
-              <a:rPr lang="hu-HU" dirty="0" err="1"/>
-              <a:t>Ip</a:t>
-            </a:r>
-            <a:r>
-              <a:rPr lang="hu-HU" dirty="0"/>
-              <a:t> </a:t>
-            </a:r>
-            <a:r>
-              <a:rPr lang="hu-HU" dirty="0" err="1"/>
-              <a:t>domain-name</a:t>
-            </a:r>
-            <a:r>
-              <a:rPr lang="hu-HU" dirty="0"/>
-              <a:t>: karacs.ipari_switch.hu</a:t>
-            </a:r>
-          </a:p>
-          <a:p>
-            <a:r>
-              <a:rPr lang="hu-HU" dirty="0" err="1"/>
-              <a:t>Username</a:t>
-            </a:r>
-            <a:r>
-              <a:rPr lang="hu-HU" dirty="0"/>
-              <a:t>: </a:t>
-            </a:r>
-            <a:r>
-              <a:rPr lang="hu-HU" dirty="0" err="1"/>
-              <a:t>admin</a:t>
-            </a:r>
-            <a:r>
-              <a:rPr lang="hu-HU" dirty="0"/>
-              <a:t> </a:t>
-            </a:r>
-            <a:r>
-              <a:rPr lang="hu-HU" dirty="0" err="1"/>
-              <a:t>password</a:t>
-            </a:r>
-            <a:r>
-              <a:rPr lang="hu-HU" dirty="0"/>
-              <a:t>: </a:t>
-            </a:r>
-            <a:r>
-              <a:rPr lang="hu-HU" dirty="0" err="1"/>
-              <a:t>cisco</a:t>
-            </a:r>
-            <a:endParaRPr lang="hu-HU" dirty="0"/>
-          </a:p>
-          <a:p>
-            <a:r>
-              <a:rPr lang="hu-HU" dirty="0"/>
-              <a:t>Vlan1: 172.16.0.62 255.255.255.192</a:t>
-            </a:r>
-          </a:p>
-        </p:txBody>
-      </p:sp>
-    </p:spTree>
-    <p:extLst>
-      <p:ext uri="{BB962C8B-B14F-4D97-AF65-F5344CB8AC3E}">
-        <p14:creationId xmlns:p14="http://schemas.microsoft.com/office/powerpoint/2010/main" val="3605983300"/>
-      </p:ext>
-    </p:extLst>
-  </p:cSld>
-  <p:clrMapOvr>
-    <a:masterClrMapping/>
-  </p:clrMapOvr>
-</p:sld>
-</file>
-
-<file path=ppt/slides/slide29.xml><?xml version="1.0" encoding="utf-8"?>
-<p:sld xmlns:a="http://schemas.openxmlformats.org/drawingml/2006/main" xmlns:r="http://schemas.openxmlformats.org/officeDocument/2006/relationships" xmlns:p="http://schemas.openxmlformats.org/presentationml/2006/main">
-  <p:cSld>
-    <p:spTree>
-      <p:nvGrpSpPr>
-        <p:cNvPr id="1" name=""/>
-        <p:cNvGrpSpPr/>
-        <p:nvPr/>
-      </p:nvGrpSpPr>
-      <p:grpSpPr>
-        <a:xfrm>
-          <a:off x="0" y="0"/>
-          <a:ext cx="0" cy="0"/>
-          <a:chOff x="0" y="0"/>
-          <a:chExt cx="0" cy="0"/>
-        </a:xfrm>
-      </p:grpSpPr>
-      <p:sp>
-        <p:nvSpPr>
-          <p:cNvPr id="2" name="Cím 1">
-            <a:extLst>
-              <a:ext uri="{FF2B5EF4-FFF2-40B4-BE49-F238E27FC236}">
-                <a16:creationId xmlns:a16="http://schemas.microsoft.com/office/drawing/2014/main" id="{79A2E47A-BB9F-4785-85B2-A625FFF5EA1B}"/>
-              </a:ext>
-            </a:extLst>
-          </p:cNvPr>
-          <p:cNvSpPr>
-            <a:spLocks noGrp="1"/>
-          </p:cNvSpPr>
-          <p:nvPr>
-            <p:ph type="title"/>
-          </p:nvPr>
-        </p:nvSpPr>
-        <p:spPr/>
-        <p:txBody>
-          <a:bodyPr/>
-          <a:lstStyle/>
-          <a:p>
-            <a:r>
-              <a:rPr lang="hu-HU" dirty="0"/>
-              <a:t>GRE </a:t>
-            </a:r>
-            <a:r>
-              <a:rPr lang="hu-HU" dirty="0" err="1"/>
-              <a:t>Tunnel</a:t>
-            </a:r>
-            <a:endParaRPr lang="hu-HU" dirty="0"/>
-          </a:p>
-        </p:txBody>
-      </p:sp>
-      <p:sp>
-        <p:nvSpPr>
-          <p:cNvPr id="3" name="Tartalom helye 2">
-            <a:extLst>
-              <a:ext uri="{FF2B5EF4-FFF2-40B4-BE49-F238E27FC236}">
-                <a16:creationId xmlns:a16="http://schemas.microsoft.com/office/drawing/2014/main" id="{3DAB4AC2-1481-465A-9746-C6F1EBFA7360}"/>
-              </a:ext>
-            </a:extLst>
-          </p:cNvPr>
-          <p:cNvSpPr>
-            <a:spLocks noGrp="1"/>
-          </p:cNvSpPr>
-          <p:nvPr>
-            <p:ph idx="1"/>
-          </p:nvPr>
-        </p:nvSpPr>
-        <p:spPr/>
-        <p:txBody>
-          <a:bodyPr/>
-          <a:lstStyle/>
-          <a:p>
-            <a:endParaRPr lang="hu-HU" dirty="0"/>
-          </a:p>
-        </p:txBody>
-      </p:sp>
-    </p:spTree>
-    <p:extLst>
-      <p:ext uri="{BB962C8B-B14F-4D97-AF65-F5344CB8AC3E}">
-        <p14:creationId xmlns:p14="http://schemas.microsoft.com/office/powerpoint/2010/main" val="3514180673"/>
-      </p:ext>
-    </p:extLst>
-  </p:cSld>
-  <p:clrMapOvr>
-    <a:masterClrMapping/>
-  </p:clrMapOvr>
-</p:sld>
-</file>
-
-<file path=ppt/slides/slide3.xml><?xml version="1.0" encoding="utf-8"?>
-<p:sld xmlns:a="http://schemas.openxmlformats.org/drawingml/2006/main" xmlns:r="http://schemas.openxmlformats.org/officeDocument/2006/relationships" xmlns:p="http://schemas.openxmlformats.org/presentationml/2006/main">
-  <p:cSld>
-    <p:spTree>
-      <p:nvGrpSpPr>
-        <p:cNvPr id="1" name=""/>
-        <p:cNvGrpSpPr/>
-        <p:nvPr/>
-      </p:nvGrpSpPr>
-      <p:grpSpPr>
-        <a:xfrm>
-          <a:off x="0" y="0"/>
-          <a:ext cx="0" cy="0"/>
-          <a:chOff x="0" y="0"/>
-          <a:chExt cx="0" cy="0"/>
-        </a:xfrm>
-      </p:grpSpPr>
-      <p:sp>
-        <p:nvSpPr>
-          <p:cNvPr id="2" name="Cím 1">
-            <a:extLst>
-              <a:ext uri="{FF2B5EF4-FFF2-40B4-BE49-F238E27FC236}">
-                <a16:creationId xmlns:a16="http://schemas.microsoft.com/office/drawing/2014/main" id="{46D852E8-C817-4925-A253-A16156892134}"/>
-              </a:ext>
-            </a:extLst>
-          </p:cNvPr>
-          <p:cNvSpPr>
-            <a:spLocks noGrp="1"/>
-          </p:cNvSpPr>
-          <p:nvPr>
-            <p:ph type="title"/>
-          </p:nvPr>
-        </p:nvSpPr>
-        <p:spPr/>
-        <p:txBody>
-          <a:bodyPr/>
-          <a:lstStyle/>
-          <a:p>
-            <a:r>
-              <a:rPr lang="hu-HU" dirty="0"/>
-              <a:t>A megvalósítás során használt eszközök</a:t>
-            </a:r>
-          </a:p>
-        </p:txBody>
-      </p:sp>
-      <p:sp>
-        <p:nvSpPr>
-          <p:cNvPr id="3" name="Tartalom helye 2">
-            <a:extLst>
-              <a:ext uri="{FF2B5EF4-FFF2-40B4-BE49-F238E27FC236}">
-                <a16:creationId xmlns:a16="http://schemas.microsoft.com/office/drawing/2014/main" id="{5EB75B5E-96D0-4818-A404-B889F4728279}"/>
-              </a:ext>
-            </a:extLst>
-          </p:cNvPr>
-          <p:cNvSpPr>
-            <a:spLocks noGrp="1"/>
-          </p:cNvSpPr>
-          <p:nvPr>
-            <p:ph idx="1"/>
-          </p:nvPr>
-        </p:nvSpPr>
-        <p:spPr/>
-        <p:txBody>
-          <a:bodyPr/>
-          <a:lstStyle/>
-          <a:p>
-            <a:endParaRPr lang="hu-HU" dirty="0"/>
-          </a:p>
-        </p:txBody>
-      </p:sp>
-    </p:spTree>
-    <p:extLst>
-      <p:ext uri="{BB962C8B-B14F-4D97-AF65-F5344CB8AC3E}">
-        <p14:creationId xmlns:p14="http://schemas.microsoft.com/office/powerpoint/2010/main" val="674250553"/>
-      </p:ext>
-    </p:extLst>
-  </p:cSld>
-  <p:clrMapOvr>
-    <a:masterClrMapping/>
-  </p:clrMapOvr>
-</p:sld>
-</file>
-
-<file path=ppt/slides/slide30.xml><?xml version="1.0" encoding="utf-8"?>
-<p:sld xmlns:a="http://schemas.openxmlformats.org/drawingml/2006/main" xmlns:r="http://schemas.openxmlformats.org/officeDocument/2006/relationships" xmlns:p="http://schemas.openxmlformats.org/presentationml/2006/main">
-  <p:cSld>
-    <p:spTree>
-      <p:nvGrpSpPr>
-        <p:cNvPr id="1" name=""/>
-        <p:cNvGrpSpPr/>
-        <p:nvPr/>
-      </p:nvGrpSpPr>
-      <p:grpSpPr>
-        <a:xfrm>
-          <a:off x="0" y="0"/>
-          <a:ext cx="0" cy="0"/>
-          <a:chOff x="0" y="0"/>
-          <a:chExt cx="0" cy="0"/>
-        </a:xfrm>
-      </p:grpSpPr>
-      <p:sp>
-        <p:nvSpPr>
-          <p:cNvPr id="2" name="Cím 1">
-            <a:extLst>
-              <a:ext uri="{FF2B5EF4-FFF2-40B4-BE49-F238E27FC236}">
-                <a16:creationId xmlns:a16="http://schemas.microsoft.com/office/drawing/2014/main" id="{D9533B67-438F-4690-8F65-518FEE327AD1}"/>
-              </a:ext>
-            </a:extLst>
-          </p:cNvPr>
-          <p:cNvSpPr>
-            <a:spLocks noGrp="1"/>
-          </p:cNvSpPr>
-          <p:nvPr>
-            <p:ph type="ctrTitle"/>
-          </p:nvPr>
-        </p:nvSpPr>
-        <p:spPr/>
-        <p:txBody>
-          <a:bodyPr/>
-          <a:lstStyle/>
-          <a:p>
-            <a:r>
-              <a:rPr lang="hu-HU" dirty="0"/>
-              <a:t>A Tanműhely</a:t>
-            </a:r>
-          </a:p>
-        </p:txBody>
-      </p:sp>
-      <p:sp>
-        <p:nvSpPr>
-          <p:cNvPr id="3" name="Alcím 2">
-            <a:extLst>
-              <a:ext uri="{FF2B5EF4-FFF2-40B4-BE49-F238E27FC236}">
-                <a16:creationId xmlns:a16="http://schemas.microsoft.com/office/drawing/2014/main" id="{28A09822-DCA5-439F-B850-91B127D31C41}"/>
-              </a:ext>
-            </a:extLst>
-          </p:cNvPr>
-          <p:cNvSpPr>
-            <a:spLocks noGrp="1"/>
-          </p:cNvSpPr>
-          <p:nvPr>
-            <p:ph type="subTitle" idx="1"/>
-          </p:nvPr>
-        </p:nvSpPr>
-        <p:spPr/>
-        <p:txBody>
-          <a:bodyPr/>
-          <a:lstStyle/>
-          <a:p>
-            <a:endParaRPr lang="hu-HU"/>
-          </a:p>
-        </p:txBody>
-      </p:sp>
-    </p:spTree>
-    <p:extLst>
-      <p:ext uri="{BB962C8B-B14F-4D97-AF65-F5344CB8AC3E}">
-        <p14:creationId xmlns:p14="http://schemas.microsoft.com/office/powerpoint/2010/main" val="513156228"/>
-      </p:ext>
-    </p:extLst>
-  </p:cSld>
-  <p:clrMapOvr>
-    <a:masterClrMapping/>
-  </p:clrMapOvr>
-</p:sld>
-</file>
-
-<file path=ppt/slides/slide31.xml><?xml version="1.0" encoding="utf-8"?>
-<p:sld xmlns:a="http://schemas.openxmlformats.org/drawingml/2006/main" xmlns:r="http://schemas.openxmlformats.org/officeDocument/2006/relationships" xmlns:p="http://schemas.openxmlformats.org/presentationml/2006/main">
-  <p:cSld>
-    <p:spTree>
-      <p:nvGrpSpPr>
-        <p:cNvPr id="1" name=""/>
-        <p:cNvGrpSpPr/>
-        <p:nvPr/>
-      </p:nvGrpSpPr>
-      <p:grpSpPr>
-        <a:xfrm>
-          <a:off x="0" y="0"/>
-          <a:ext cx="0" cy="0"/>
-          <a:chOff x="0" y="0"/>
-          <a:chExt cx="0" cy="0"/>
-        </a:xfrm>
-      </p:grpSpPr>
-      <p:sp>
-        <p:nvSpPr>
-          <p:cNvPr id="2" name="Cím 1">
-            <a:extLst>
-              <a:ext uri="{FF2B5EF4-FFF2-40B4-BE49-F238E27FC236}">
-                <a16:creationId xmlns:a16="http://schemas.microsoft.com/office/drawing/2014/main" id="{85EBEBEE-ECC9-4D3F-BF6F-B32461C9BADD}"/>
-              </a:ext>
-            </a:extLst>
-          </p:cNvPr>
-          <p:cNvSpPr>
-            <a:spLocks noGrp="1"/>
-          </p:cNvSpPr>
-          <p:nvPr>
-            <p:ph type="title"/>
-          </p:nvPr>
-        </p:nvSpPr>
-        <p:spPr/>
-        <p:txBody>
-          <a:bodyPr/>
-          <a:lstStyle/>
-          <a:p>
-            <a:r>
-              <a:rPr lang="hu-HU" dirty="0"/>
-              <a:t>Tanműhely</a:t>
-            </a:r>
-          </a:p>
-        </p:txBody>
-      </p:sp>
-      <p:sp>
-        <p:nvSpPr>
-          <p:cNvPr id="3" name="Tartalom helye 2">
-            <a:extLst>
-              <a:ext uri="{FF2B5EF4-FFF2-40B4-BE49-F238E27FC236}">
-                <a16:creationId xmlns:a16="http://schemas.microsoft.com/office/drawing/2014/main" id="{C38CA58F-2B20-4CED-84E2-DA6671576BAB}"/>
-              </a:ext>
-            </a:extLst>
-          </p:cNvPr>
-          <p:cNvSpPr>
-            <a:spLocks noGrp="1"/>
-          </p:cNvSpPr>
-          <p:nvPr>
-            <p:ph sz="half" idx="1"/>
-          </p:nvPr>
-        </p:nvSpPr>
-        <p:spPr/>
-        <p:txBody>
-          <a:bodyPr/>
-          <a:lstStyle/>
-          <a:p>
-            <a:endParaRPr lang="hu-HU" dirty="0"/>
-          </a:p>
-        </p:txBody>
-      </p:sp>
-      <p:pic>
-        <p:nvPicPr>
-          <p:cNvPr id="5" name="Tartalom helye 4">
-            <a:extLst>
-              <a:ext uri="{FF2B5EF4-FFF2-40B4-BE49-F238E27FC236}">
-                <a16:creationId xmlns:a16="http://schemas.microsoft.com/office/drawing/2014/main" id="{EE1B7EBB-A6EE-4350-BD7E-41AA87C22EA6}"/>
-              </a:ext>
-            </a:extLst>
-          </p:cNvPr>
-          <p:cNvPicPr>
-            <a:picLocks noGrp="1" noChangeAspect="1"/>
-          </p:cNvPicPr>
-          <p:nvPr>
-            <p:ph sz="half" idx="2"/>
-          </p:nvPr>
-        </p:nvPicPr>
-        <p:blipFill>
-          <a:blip r:embed="rId2"/>
-          <a:stretch>
-            <a:fillRect/>
-          </a:stretch>
-        </p:blipFill>
-        <p:spPr>
-          <a:xfrm>
-            <a:off x="5121609" y="2450036"/>
-            <a:ext cx="6872576" cy="2789220"/>
-          </a:xfrm>
-          <a:prstGeom prst="rect">
-            <a:avLst/>
-          </a:prstGeom>
-        </p:spPr>
-      </p:pic>
-    </p:spTree>
-    <p:extLst>
-      <p:ext uri="{BB962C8B-B14F-4D97-AF65-F5344CB8AC3E}">
-        <p14:creationId xmlns:p14="http://schemas.microsoft.com/office/powerpoint/2010/main" val="91041928"/>
-      </p:ext>
-    </p:extLst>
-  </p:cSld>
-  <p:clrMapOvr>
-    <a:masterClrMapping/>
-  </p:clrMapOvr>
-</p:sld>
-</file>
-
-<file path=ppt/slides/slide32.xml><?xml version="1.0" encoding="utf-8"?>
-<p:sld xmlns:a="http://schemas.openxmlformats.org/drawingml/2006/main" xmlns:r="http://schemas.openxmlformats.org/officeDocument/2006/relationships" xmlns:p="http://schemas.openxmlformats.org/presentationml/2006/main">
-  <p:cSld>
-    <p:spTree>
-      <p:nvGrpSpPr>
-        <p:cNvPr id="1" name=""/>
-        <p:cNvGrpSpPr/>
-        <p:nvPr/>
-      </p:nvGrpSpPr>
-      <p:grpSpPr>
-        <a:xfrm>
-          <a:off x="0" y="0"/>
-          <a:ext cx="0" cy="0"/>
-          <a:chOff x="0" y="0"/>
-          <a:chExt cx="0" cy="0"/>
-        </a:xfrm>
-      </p:grpSpPr>
-      <p:sp>
-        <p:nvSpPr>
-          <p:cNvPr id="2" name="Cím 1">
-            <a:extLst>
-              <a:ext uri="{FF2B5EF4-FFF2-40B4-BE49-F238E27FC236}">
-                <a16:creationId xmlns:a16="http://schemas.microsoft.com/office/drawing/2014/main" id="{16F9B9DC-6CBD-4501-8C25-F982CD985289}"/>
-              </a:ext>
-            </a:extLst>
-          </p:cNvPr>
-          <p:cNvSpPr>
-            <a:spLocks noGrp="1"/>
-          </p:cNvSpPr>
-          <p:nvPr>
-            <p:ph type="ctrTitle"/>
-          </p:nvPr>
-        </p:nvSpPr>
-        <p:spPr/>
-        <p:txBody>
-          <a:bodyPr/>
-          <a:lstStyle/>
-          <a:p>
-            <a:r>
-              <a:rPr lang="hu-HU" dirty="0"/>
-              <a:t>Az ASA</a:t>
-            </a:r>
-          </a:p>
-        </p:txBody>
-      </p:sp>
-      <p:sp>
-        <p:nvSpPr>
-          <p:cNvPr id="3" name="Alcím 2">
-            <a:extLst>
-              <a:ext uri="{FF2B5EF4-FFF2-40B4-BE49-F238E27FC236}">
-                <a16:creationId xmlns:a16="http://schemas.microsoft.com/office/drawing/2014/main" id="{A34365C9-CD9E-44CE-B581-2A23CE7D67E7}"/>
-              </a:ext>
-            </a:extLst>
-          </p:cNvPr>
-          <p:cNvSpPr>
-            <a:spLocks noGrp="1"/>
-          </p:cNvSpPr>
-          <p:nvPr>
-            <p:ph type="subTitle" idx="1"/>
-          </p:nvPr>
-        </p:nvSpPr>
-        <p:spPr/>
-        <p:txBody>
-          <a:bodyPr/>
-          <a:lstStyle/>
-          <a:p>
-            <a:endParaRPr lang="hu-HU"/>
-          </a:p>
-        </p:txBody>
-      </p:sp>
-    </p:spTree>
-    <p:extLst>
-      <p:ext uri="{BB962C8B-B14F-4D97-AF65-F5344CB8AC3E}">
-        <p14:creationId xmlns:p14="http://schemas.microsoft.com/office/powerpoint/2010/main" val="1203264159"/>
-      </p:ext>
-    </p:extLst>
-  </p:cSld>
-  <p:clrMapOvr>
-    <a:masterClrMapping/>
-  </p:clrMapOvr>
-</p:sld>
-</file>
-
-<file path=ppt/slides/slide33.xml><?xml version="1.0" encoding="utf-8"?>
-<p:sld xmlns:a="http://schemas.openxmlformats.org/drawingml/2006/main" xmlns:r="http://schemas.openxmlformats.org/officeDocument/2006/relationships" xmlns:p="http://schemas.openxmlformats.org/presentationml/2006/main">
-  <p:cSld>
-    <p:spTree>
-      <p:nvGrpSpPr>
-        <p:cNvPr id="1" name=""/>
-        <p:cNvGrpSpPr/>
-        <p:nvPr/>
-      </p:nvGrpSpPr>
-      <p:grpSpPr>
-        <a:xfrm>
-          <a:off x="0" y="0"/>
-          <a:ext cx="0" cy="0"/>
-          <a:chOff x="0" y="0"/>
-          <a:chExt cx="0" cy="0"/>
-        </a:xfrm>
-      </p:grpSpPr>
-      <p:sp>
-        <p:nvSpPr>
-          <p:cNvPr id="2" name="Cím 1">
-            <a:extLst>
-              <a:ext uri="{FF2B5EF4-FFF2-40B4-BE49-F238E27FC236}">
-                <a16:creationId xmlns:a16="http://schemas.microsoft.com/office/drawing/2014/main" id="{5D7AFCE3-37B3-4106-AAE4-F3D06BECB045}"/>
-              </a:ext>
-            </a:extLst>
-          </p:cNvPr>
-          <p:cNvSpPr>
-            <a:spLocks noGrp="1"/>
-          </p:cNvSpPr>
-          <p:nvPr>
-            <p:ph type="title"/>
-          </p:nvPr>
-        </p:nvSpPr>
-        <p:spPr/>
-        <p:txBody>
-          <a:bodyPr/>
-          <a:lstStyle/>
-          <a:p>
-            <a:r>
-              <a:rPr lang="hu-HU" dirty="0"/>
-              <a:t>Alapbeállítások</a:t>
-            </a:r>
-          </a:p>
-        </p:txBody>
-      </p:sp>
-      <p:sp>
-        <p:nvSpPr>
-          <p:cNvPr id="3" name="Tartalom helye 2">
-            <a:extLst>
-              <a:ext uri="{FF2B5EF4-FFF2-40B4-BE49-F238E27FC236}">
-                <a16:creationId xmlns:a16="http://schemas.microsoft.com/office/drawing/2014/main" id="{E722C3AF-A368-4A90-A618-6C73C60BE135}"/>
-              </a:ext>
-            </a:extLst>
-          </p:cNvPr>
-          <p:cNvSpPr>
-            <a:spLocks noGrp="1"/>
-          </p:cNvSpPr>
-          <p:nvPr>
-            <p:ph idx="1"/>
-          </p:nvPr>
-        </p:nvSpPr>
-        <p:spPr/>
-        <p:txBody>
-          <a:bodyPr/>
-          <a:lstStyle/>
-          <a:p>
-            <a:endParaRPr lang="hu-HU" dirty="0"/>
-          </a:p>
-        </p:txBody>
-      </p:sp>
-    </p:spTree>
-    <p:extLst>
-      <p:ext uri="{BB962C8B-B14F-4D97-AF65-F5344CB8AC3E}">
-        <p14:creationId xmlns:p14="http://schemas.microsoft.com/office/powerpoint/2010/main" val="864490489"/>
-      </p:ext>
-    </p:extLst>
-  </p:cSld>
-  <p:clrMapOvr>
-    <a:masterClrMapping/>
-  </p:clrMapOvr>
-</p:sld>
-</file>
-
-<file path=ppt/slides/slide34.xml><?xml version="1.0" encoding="utf-8"?>
-<p:sld xmlns:a="http://schemas.openxmlformats.org/drawingml/2006/main" xmlns:r="http://schemas.openxmlformats.org/officeDocument/2006/relationships" xmlns:p="http://schemas.openxmlformats.org/presentationml/2006/main">
-  <p:cSld>
-    <p:spTree>
-      <p:nvGrpSpPr>
-        <p:cNvPr id="1" name=""/>
-        <p:cNvGrpSpPr/>
-        <p:nvPr/>
-      </p:nvGrpSpPr>
-      <p:grpSpPr>
-        <a:xfrm>
-          <a:off x="0" y="0"/>
-          <a:ext cx="0" cy="0"/>
-          <a:chOff x="0" y="0"/>
-          <a:chExt cx="0" cy="0"/>
-        </a:xfrm>
-      </p:grpSpPr>
-      <p:sp>
-        <p:nvSpPr>
-          <p:cNvPr id="2" name="Cím 1">
-            <a:extLst>
-              <a:ext uri="{FF2B5EF4-FFF2-40B4-BE49-F238E27FC236}">
-                <a16:creationId xmlns:a16="http://schemas.microsoft.com/office/drawing/2014/main" id="{397AB22F-F439-4E5C-8CC2-A108306CF76D}"/>
-              </a:ext>
-            </a:extLst>
-          </p:cNvPr>
-          <p:cNvSpPr>
-            <a:spLocks noGrp="1"/>
-          </p:cNvSpPr>
-          <p:nvPr>
-            <p:ph type="title"/>
-          </p:nvPr>
-        </p:nvSpPr>
-        <p:spPr/>
-        <p:txBody>
-          <a:bodyPr/>
-          <a:lstStyle/>
-          <a:p>
-            <a:r>
-              <a:rPr lang="hu-HU" dirty="0"/>
-              <a:t>DHCP, SSH</a:t>
-            </a:r>
-          </a:p>
-        </p:txBody>
-      </p:sp>
-      <p:sp>
-        <p:nvSpPr>
-          <p:cNvPr id="3" name="Tartalom helye 2">
-            <a:extLst>
-              <a:ext uri="{FF2B5EF4-FFF2-40B4-BE49-F238E27FC236}">
-                <a16:creationId xmlns:a16="http://schemas.microsoft.com/office/drawing/2014/main" id="{45FCD6EC-9E1B-466F-BD2F-67073E3FBAE1}"/>
-              </a:ext>
-            </a:extLst>
-          </p:cNvPr>
-          <p:cNvSpPr>
-            <a:spLocks noGrp="1"/>
-          </p:cNvSpPr>
-          <p:nvPr>
-            <p:ph idx="1"/>
-          </p:nvPr>
-        </p:nvSpPr>
-        <p:spPr/>
-        <p:txBody>
-          <a:bodyPr/>
-          <a:lstStyle/>
-          <a:p>
-            <a:endParaRPr lang="hu-HU" dirty="0"/>
-          </a:p>
-        </p:txBody>
-      </p:sp>
-    </p:spTree>
-    <p:extLst>
-      <p:ext uri="{BB962C8B-B14F-4D97-AF65-F5344CB8AC3E}">
-        <p14:creationId xmlns:p14="http://schemas.microsoft.com/office/powerpoint/2010/main" val="3214594802"/>
-      </p:ext>
-    </p:extLst>
-  </p:cSld>
-  <p:clrMapOvr>
-    <a:masterClrMapping/>
-  </p:clrMapOvr>
-</p:sld>
-</file>
-
-<file path=ppt/slides/slide35.xml><?xml version="1.0" encoding="utf-8"?>
-<p:sld xmlns:a="http://schemas.openxmlformats.org/drawingml/2006/main" xmlns:r="http://schemas.openxmlformats.org/officeDocument/2006/relationships" xmlns:p="http://schemas.openxmlformats.org/presentationml/2006/main">
-  <p:cSld>
-    <p:spTree>
-      <p:nvGrpSpPr>
-        <p:cNvPr id="1" name=""/>
-        <p:cNvGrpSpPr/>
-        <p:nvPr/>
-      </p:nvGrpSpPr>
-      <p:grpSpPr>
-        <a:xfrm>
-          <a:off x="0" y="0"/>
-          <a:ext cx="0" cy="0"/>
-          <a:chOff x="0" y="0"/>
-          <a:chExt cx="0" cy="0"/>
-        </a:xfrm>
-      </p:grpSpPr>
-      <p:sp>
-        <p:nvSpPr>
-          <p:cNvPr id="2" name="Cím 1">
-            <a:extLst>
-              <a:ext uri="{FF2B5EF4-FFF2-40B4-BE49-F238E27FC236}">
-                <a16:creationId xmlns:a16="http://schemas.microsoft.com/office/drawing/2014/main" id="{08FD5A33-ABEA-473F-B799-E482199C7ECF}"/>
-              </a:ext>
-            </a:extLst>
-          </p:cNvPr>
-          <p:cNvSpPr>
-            <a:spLocks noGrp="1"/>
-          </p:cNvSpPr>
-          <p:nvPr>
-            <p:ph type="title"/>
-          </p:nvPr>
-        </p:nvSpPr>
-        <p:spPr/>
-        <p:txBody>
-          <a:bodyPr/>
-          <a:lstStyle/>
-          <a:p>
-            <a:r>
-              <a:rPr lang="hu-HU" dirty="0"/>
-              <a:t>NAT, ICMP</a:t>
-            </a:r>
-          </a:p>
-        </p:txBody>
-      </p:sp>
-      <p:sp>
-        <p:nvSpPr>
-          <p:cNvPr id="3" name="Tartalom helye 2">
-            <a:extLst>
-              <a:ext uri="{FF2B5EF4-FFF2-40B4-BE49-F238E27FC236}">
-                <a16:creationId xmlns:a16="http://schemas.microsoft.com/office/drawing/2014/main" id="{2508E23E-A1D6-42F0-9BB3-2591EADABE6F}"/>
-              </a:ext>
-            </a:extLst>
-          </p:cNvPr>
-          <p:cNvSpPr>
-            <a:spLocks noGrp="1"/>
-          </p:cNvSpPr>
-          <p:nvPr>
-            <p:ph idx="1"/>
-          </p:nvPr>
-        </p:nvSpPr>
-        <p:spPr/>
-        <p:txBody>
-          <a:bodyPr/>
-          <a:lstStyle/>
-          <a:p>
-            <a:endParaRPr lang="hu-HU"/>
-          </a:p>
-        </p:txBody>
-      </p:sp>
-    </p:spTree>
-    <p:extLst>
-      <p:ext uri="{BB962C8B-B14F-4D97-AF65-F5344CB8AC3E}">
-        <p14:creationId xmlns:p14="http://schemas.microsoft.com/office/powerpoint/2010/main" val="1783384728"/>
-      </p:ext>
-    </p:extLst>
-  </p:cSld>
-  <p:clrMapOvr>
-    <a:masterClrMapping/>
-  </p:clrMapOvr>
-</p:sld>
-</file>
-
-<file path=ppt/slides/slide4.xml><?xml version="1.0" encoding="utf-8"?>
-<p:sld xmlns:a="http://schemas.openxmlformats.org/drawingml/2006/main" xmlns:r="http://schemas.openxmlformats.org/officeDocument/2006/relationships" xmlns:p="http://schemas.openxmlformats.org/presentationml/2006/main">
-  <p:cSld>
-    <p:spTree>
-      <p:nvGrpSpPr>
-        <p:cNvPr id="1" name=""/>
-        <p:cNvGrpSpPr/>
-        <p:nvPr/>
-      </p:nvGrpSpPr>
-      <p:grpSpPr>
-        <a:xfrm>
-          <a:off x="0" y="0"/>
-          <a:ext cx="0" cy="0"/>
-          <a:chOff x="0" y="0"/>
-          <a:chExt cx="0" cy="0"/>
-        </a:xfrm>
-      </p:grpSpPr>
-      <p:sp>
-        <p:nvSpPr>
-          <p:cNvPr id="2" name="Cím 1">
-            <a:extLst>
-              <a:ext uri="{FF2B5EF4-FFF2-40B4-BE49-F238E27FC236}">
-                <a16:creationId xmlns:a16="http://schemas.microsoft.com/office/drawing/2014/main" id="{AC01DDA2-6220-459D-9665-6823FBE4C6B1}"/>
-              </a:ext>
-            </a:extLst>
-          </p:cNvPr>
-          <p:cNvSpPr>
-            <a:spLocks noGrp="1"/>
-          </p:cNvSpPr>
-          <p:nvPr>
-            <p:ph type="title"/>
-          </p:nvPr>
-        </p:nvSpPr>
-        <p:spPr/>
-        <p:txBody>
-          <a:bodyPr/>
-          <a:lstStyle/>
-          <a:p>
-            <a:r>
-              <a:rPr lang="hu-HU" dirty="0"/>
-              <a:t>A dokumentáció részei</a:t>
-            </a:r>
-          </a:p>
-        </p:txBody>
-      </p:sp>
-      <p:sp>
-        <p:nvSpPr>
-          <p:cNvPr id="3" name="Tartalom helye 2">
-            <a:extLst>
-              <a:ext uri="{FF2B5EF4-FFF2-40B4-BE49-F238E27FC236}">
-                <a16:creationId xmlns:a16="http://schemas.microsoft.com/office/drawing/2014/main" id="{CDF69B56-B2DB-4D78-82E9-0EEF8DBF25C8}"/>
-              </a:ext>
-            </a:extLst>
-          </p:cNvPr>
-          <p:cNvSpPr>
-            <a:spLocks noGrp="1"/>
-          </p:cNvSpPr>
-          <p:nvPr>
-            <p:ph idx="1"/>
-          </p:nvPr>
-        </p:nvSpPr>
-        <p:spPr/>
-        <p:txBody>
-          <a:bodyPr/>
-          <a:lstStyle/>
-          <a:p>
-            <a:endParaRPr lang="hu-HU" dirty="0"/>
-          </a:p>
-        </p:txBody>
-      </p:sp>
-    </p:spTree>
-    <p:extLst>
-      <p:ext uri="{BB962C8B-B14F-4D97-AF65-F5344CB8AC3E}">
-        <p14:creationId xmlns:p14="http://schemas.microsoft.com/office/powerpoint/2010/main" val="756541840"/>
-      </p:ext>
-    </p:extLst>
-  </p:cSld>
-  <p:clrMapOvr>
-    <a:masterClrMapping/>
-  </p:clrMapOvr>
-</p:sld>
-</file>
-
-<file path=ppt/slides/slide5.xml><?xml version="1.0" encoding="utf-8"?>
-<p:sld xmlns:a="http://schemas.openxmlformats.org/drawingml/2006/main" xmlns:r="http://schemas.openxmlformats.org/officeDocument/2006/relationships" xmlns:p="http://schemas.openxmlformats.org/presentationml/2006/main">
-  <p:cSld>
-    <p:spTree>
-      <p:nvGrpSpPr>
-        <p:cNvPr id="1" name=""/>
-        <p:cNvGrpSpPr/>
-        <p:nvPr/>
-      </p:nvGrpSpPr>
-      <p:grpSpPr>
-        <a:xfrm>
-          <a:off x="0" y="0"/>
-          <a:ext cx="0" cy="0"/>
-          <a:chOff x="0" y="0"/>
-          <a:chExt cx="0" cy="0"/>
-        </a:xfrm>
-      </p:grpSpPr>
-      <p:sp>
-        <p:nvSpPr>
-          <p:cNvPr id="2" name="Cím 1">
-            <a:extLst>
-              <a:ext uri="{FF2B5EF4-FFF2-40B4-BE49-F238E27FC236}">
-                <a16:creationId xmlns:a16="http://schemas.microsoft.com/office/drawing/2014/main" id="{0A28E6AE-2B73-40A7-9627-D2CE08C9BD4D}"/>
-              </a:ext>
-            </a:extLst>
-          </p:cNvPr>
-          <p:cNvSpPr>
-            <a:spLocks noGrp="1"/>
-          </p:cNvSpPr>
-          <p:nvPr>
-            <p:ph type="title"/>
-          </p:nvPr>
-        </p:nvSpPr>
-        <p:spPr/>
-        <p:txBody>
-          <a:bodyPr/>
-          <a:lstStyle/>
-          <a:p>
-            <a:r>
-              <a:rPr lang="hu-HU" dirty="0"/>
-              <a:t>A hálózati terv</a:t>
-            </a:r>
-          </a:p>
-        </p:txBody>
-      </p:sp>
-      <p:pic>
-        <p:nvPicPr>
-          <p:cNvPr id="4" name="Tartalom helye 3">
-            <a:extLst>
-              <a:ext uri="{FF2B5EF4-FFF2-40B4-BE49-F238E27FC236}">
-                <a16:creationId xmlns:a16="http://schemas.microsoft.com/office/drawing/2014/main" id="{13D2A5BA-58FB-4C61-8605-02174CAB51DC}"/>
-              </a:ext>
-            </a:extLst>
-          </p:cNvPr>
-          <p:cNvPicPr>
-            <a:picLocks noGrp="1" noChangeAspect="1"/>
-          </p:cNvPicPr>
-          <p:nvPr>
-            <p:ph idx="1"/>
-          </p:nvPr>
-        </p:nvPicPr>
-        <p:blipFill>
-          <a:blip r:embed="rId2"/>
-          <a:stretch>
-            <a:fillRect/>
-          </a:stretch>
-        </p:blipFill>
-        <p:spPr>
-          <a:xfrm>
-            <a:off x="637357" y="1395664"/>
-            <a:ext cx="9285980" cy="4646362"/>
-          </a:xfrm>
-          <a:prstGeom prst="rect">
-            <a:avLst/>
-          </a:prstGeom>
-        </p:spPr>
-      </p:pic>
-    </p:spTree>
-    <p:extLst>
-      <p:ext uri="{BB962C8B-B14F-4D97-AF65-F5344CB8AC3E}">
-        <p14:creationId xmlns:p14="http://schemas.microsoft.com/office/powerpoint/2010/main" val="2706577956"/>
-      </p:ext>
-    </p:extLst>
-  </p:cSld>
-  <p:clrMapOvr>
-    <a:masterClrMapping/>
-  </p:clrMapOvr>
-</p:sld>
-</file>
-
-<file path=ppt/slides/slide6.xml><?xml version="1.0" encoding="utf-8"?>
-<p:sld xmlns:a="http://schemas.openxmlformats.org/drawingml/2006/main" xmlns:r="http://schemas.openxmlformats.org/officeDocument/2006/relationships" xmlns:p="http://schemas.openxmlformats.org/presentationml/2006/main">
-  <p:cSld>
-    <p:spTree>
-      <p:nvGrpSpPr>
-        <p:cNvPr id="1" name=""/>
-        <p:cNvGrpSpPr/>
-        <p:nvPr/>
-      </p:nvGrpSpPr>
-      <p:grpSpPr>
-        <a:xfrm>
-          <a:off x="0" y="0"/>
-          <a:ext cx="0" cy="0"/>
-          <a:chOff x="0" y="0"/>
-          <a:chExt cx="0" cy="0"/>
-        </a:xfrm>
-      </p:grpSpPr>
-      <p:sp>
-        <p:nvSpPr>
-          <p:cNvPr id="2" name="Cím 1">
-            <a:extLst>
-              <a:ext uri="{FF2B5EF4-FFF2-40B4-BE49-F238E27FC236}">
-                <a16:creationId xmlns:a16="http://schemas.microsoft.com/office/drawing/2014/main" id="{7219BFD9-67E5-44C2-99C1-287CA9187F8C}"/>
-              </a:ext>
-            </a:extLst>
-          </p:cNvPr>
-          <p:cNvSpPr>
-            <a:spLocks noGrp="1"/>
-          </p:cNvSpPr>
-          <p:nvPr>
-            <p:ph type="ctrTitle"/>
-          </p:nvPr>
-        </p:nvSpPr>
-        <p:spPr/>
-        <p:txBody>
-          <a:bodyPr/>
-          <a:lstStyle/>
-          <a:p>
-            <a:r>
-              <a:rPr lang="hu-HU" dirty="0"/>
-              <a:t>A Gimnázium</a:t>
-            </a:r>
-          </a:p>
-        </p:txBody>
-      </p:sp>
-      <p:sp>
-        <p:nvSpPr>
-          <p:cNvPr id="3" name="Alcím 2">
-            <a:extLst>
-              <a:ext uri="{FF2B5EF4-FFF2-40B4-BE49-F238E27FC236}">
-                <a16:creationId xmlns:a16="http://schemas.microsoft.com/office/drawing/2014/main" id="{510D4DBA-6352-42F3-9FBA-1193DE2BD97F}"/>
-              </a:ext>
-            </a:extLst>
-          </p:cNvPr>
-          <p:cNvSpPr>
-            <a:spLocks noGrp="1"/>
-          </p:cNvSpPr>
-          <p:nvPr>
-            <p:ph type="subTitle" idx="1"/>
-          </p:nvPr>
-        </p:nvSpPr>
-        <p:spPr/>
-        <p:txBody>
-          <a:bodyPr/>
-          <a:lstStyle/>
-          <a:p>
-            <a:endParaRPr lang="hu-HU"/>
-          </a:p>
-        </p:txBody>
-      </p:sp>
-    </p:spTree>
-    <p:extLst>
-      <p:ext uri="{BB962C8B-B14F-4D97-AF65-F5344CB8AC3E}">
-        <p14:creationId xmlns:p14="http://schemas.microsoft.com/office/powerpoint/2010/main" val="1088651594"/>
-      </p:ext>
-    </p:extLst>
-  </p:cSld>
-  <p:clrMapOvr>
-    <a:masterClrMapping/>
-  </p:clrMapOvr>
-</p:sld>
-</file>
-
-<file path=ppt/slides/slide7.xml><?xml version="1.0" encoding="utf-8"?>
-<p:sld xmlns:a="http://schemas.openxmlformats.org/drawingml/2006/main" xmlns:r="http://schemas.openxmlformats.org/officeDocument/2006/relationships" xmlns:p="http://schemas.openxmlformats.org/presentationml/2006/main">
-  <p:cSld>
-    <p:spTree>
-      <p:nvGrpSpPr>
-        <p:cNvPr id="1" name=""/>
-        <p:cNvGrpSpPr/>
-        <p:nvPr/>
-      </p:nvGrpSpPr>
-      <p:grpSpPr>
-        <a:xfrm>
-          <a:off x="0" y="0"/>
-          <a:ext cx="0" cy="0"/>
-          <a:chOff x="0" y="0"/>
-          <a:chExt cx="0" cy="0"/>
-        </a:xfrm>
-      </p:grpSpPr>
-      <p:sp>
-        <p:nvSpPr>
-          <p:cNvPr id="2" name="Cím 1">
-            <a:extLst>
-              <a:ext uri="{FF2B5EF4-FFF2-40B4-BE49-F238E27FC236}">
-                <a16:creationId xmlns:a16="http://schemas.microsoft.com/office/drawing/2014/main" id="{92BF267F-94D3-4589-9070-7A6FF2236CD4}"/>
-              </a:ext>
-            </a:extLst>
-          </p:cNvPr>
-          <p:cNvSpPr>
-            <a:spLocks noGrp="1"/>
-          </p:cNvSpPr>
-          <p:nvPr>
-            <p:ph type="title"/>
-          </p:nvPr>
-        </p:nvSpPr>
-        <p:spPr/>
-        <p:txBody>
-          <a:bodyPr/>
-          <a:lstStyle/>
-          <a:p>
-            <a:r>
-              <a:rPr lang="hu-HU" dirty="0"/>
-              <a:t>Gimnázium</a:t>
-            </a:r>
-          </a:p>
-        </p:txBody>
-      </p:sp>
-      <p:sp>
-        <p:nvSpPr>
-          <p:cNvPr id="3" name="Tartalom helye 2">
-            <a:extLst>
-              <a:ext uri="{FF2B5EF4-FFF2-40B4-BE49-F238E27FC236}">
-                <a16:creationId xmlns:a16="http://schemas.microsoft.com/office/drawing/2014/main" id="{55B7AE72-E4CA-4ECE-915C-36F459627702}"/>
-              </a:ext>
-            </a:extLst>
-          </p:cNvPr>
-          <p:cNvSpPr>
-            <a:spLocks noGrp="1"/>
-          </p:cNvSpPr>
-          <p:nvPr>
-            <p:ph sz="half" idx="1"/>
-          </p:nvPr>
-        </p:nvSpPr>
-        <p:spPr/>
-        <p:txBody>
-          <a:bodyPr/>
-          <a:lstStyle/>
-          <a:p>
-            <a:endParaRPr lang="hu-HU" dirty="0"/>
-          </a:p>
-        </p:txBody>
-      </p:sp>
-      <p:pic>
-        <p:nvPicPr>
-          <p:cNvPr id="5" name="Tartalom helye 4">
-            <a:extLst>
-              <a:ext uri="{FF2B5EF4-FFF2-40B4-BE49-F238E27FC236}">
-                <a16:creationId xmlns:a16="http://schemas.microsoft.com/office/drawing/2014/main" id="{BB529DD0-9EB7-4BB8-B7A6-CCE0A21FC29D}"/>
-              </a:ext>
-            </a:extLst>
-          </p:cNvPr>
-          <p:cNvPicPr>
-            <a:picLocks noGrp="1" noChangeAspect="1"/>
-          </p:cNvPicPr>
-          <p:nvPr>
-            <p:ph sz="half" idx="2"/>
-          </p:nvPr>
-        </p:nvPicPr>
-        <p:blipFill>
-          <a:blip r:embed="rId2"/>
-          <a:stretch>
-            <a:fillRect/>
-          </a:stretch>
-        </p:blipFill>
-        <p:spPr>
-          <a:xfrm>
-            <a:off x="5218238" y="2160588"/>
-            <a:ext cx="6043320" cy="3678737"/>
-          </a:xfrm>
-          <a:prstGeom prst="rect">
-            <a:avLst/>
-          </a:prstGeom>
-        </p:spPr>
-      </p:pic>
-    </p:spTree>
-    <p:extLst>
-      <p:ext uri="{BB962C8B-B14F-4D97-AF65-F5344CB8AC3E}">
-        <p14:creationId xmlns:p14="http://schemas.microsoft.com/office/powerpoint/2010/main" val="1896942192"/>
-      </p:ext>
-    </p:extLst>
-  </p:cSld>
-  <p:clrMapOvr>
-    <a:masterClrMapping/>
-  </p:clrMapOvr>
-</p:sld>
-</file>
-
-<file path=ppt/slides/slide8.xml><?xml version="1.0" encoding="utf-8"?>
-<p:sld xmlns:a="http://schemas.openxmlformats.org/drawingml/2006/main" xmlns:r="http://schemas.openxmlformats.org/officeDocument/2006/relationships" xmlns:p="http://schemas.openxmlformats.org/presentationml/2006/main">
-  <p:cSld>
-    <p:spTree>
-      <p:nvGrpSpPr>
-        <p:cNvPr id="1" name=""/>
-        <p:cNvGrpSpPr/>
-        <p:nvPr/>
-      </p:nvGrpSpPr>
-      <p:grpSpPr>
-        <a:xfrm>
-          <a:off x="0" y="0"/>
-          <a:ext cx="0" cy="0"/>
-          <a:chOff x="0" y="0"/>
-          <a:chExt cx="0" cy="0"/>
-        </a:xfrm>
-      </p:grpSpPr>
-      <p:sp>
-        <p:nvSpPr>
-          <p:cNvPr id="2" name="Cím 1">
-            <a:extLst>
-              <a:ext uri="{FF2B5EF4-FFF2-40B4-BE49-F238E27FC236}">
-                <a16:creationId xmlns:a16="http://schemas.microsoft.com/office/drawing/2014/main" id="{BC37320C-91D4-4510-8DAE-B477AD8C6654}"/>
-              </a:ext>
-            </a:extLst>
-          </p:cNvPr>
-          <p:cNvSpPr>
-            <a:spLocks noGrp="1"/>
-          </p:cNvSpPr>
-          <p:nvPr>
-            <p:ph type="title"/>
-          </p:nvPr>
-        </p:nvSpPr>
-        <p:spPr/>
-        <p:txBody>
-          <a:bodyPr/>
-          <a:lstStyle/>
-          <a:p>
-            <a:r>
-              <a:rPr lang="hu-HU" dirty="0"/>
-              <a:t>Alapkonfiguráció 6-os terem </a:t>
-            </a:r>
-            <a:r>
-              <a:rPr lang="hu-HU" dirty="0" err="1"/>
-              <a:t>switch</a:t>
-            </a:r>
-            <a:endParaRPr lang="hu-HU" dirty="0"/>
-          </a:p>
-        </p:txBody>
-      </p:sp>
-      <p:sp>
-        <p:nvSpPr>
-          <p:cNvPr id="3" name="Tartalom helye 2">
-            <a:extLst>
-              <a:ext uri="{FF2B5EF4-FFF2-40B4-BE49-F238E27FC236}">
-                <a16:creationId xmlns:a16="http://schemas.microsoft.com/office/drawing/2014/main" id="{70036B9C-06AB-4EAC-AFC0-58157C45EE2D}"/>
-              </a:ext>
-            </a:extLst>
-          </p:cNvPr>
-          <p:cNvSpPr>
-            <a:spLocks noGrp="1"/>
-          </p:cNvSpPr>
-          <p:nvPr>
-            <p:ph idx="1"/>
-          </p:nvPr>
-        </p:nvSpPr>
-        <p:spPr/>
-        <p:txBody>
-          <a:bodyPr/>
-          <a:lstStyle/>
-          <a:p>
-            <a:r>
-              <a:rPr lang="hu-HU" dirty="0" err="1"/>
-              <a:t>hostname</a:t>
-            </a:r>
-            <a:r>
-              <a:rPr lang="hu-HU" dirty="0"/>
-              <a:t>: 6osterem</a:t>
-            </a:r>
-          </a:p>
-          <a:p>
-            <a:r>
-              <a:rPr lang="hu-HU" dirty="0" err="1"/>
-              <a:t>enable</a:t>
-            </a:r>
-            <a:r>
-              <a:rPr lang="hu-HU" dirty="0"/>
-              <a:t> </a:t>
-            </a:r>
-            <a:r>
-              <a:rPr lang="hu-HU" dirty="0" err="1"/>
-              <a:t>secret</a:t>
-            </a:r>
-            <a:r>
-              <a:rPr lang="hu-HU" dirty="0"/>
-              <a:t>: </a:t>
-            </a:r>
-            <a:r>
-              <a:rPr lang="hu-HU" dirty="0" err="1"/>
-              <a:t>cisco</a:t>
-            </a:r>
-            <a:endParaRPr lang="hu-HU" dirty="0"/>
-          </a:p>
-          <a:p>
-            <a:r>
-              <a:rPr lang="hu-HU" dirty="0" err="1"/>
-              <a:t>Ip</a:t>
-            </a:r>
-            <a:r>
-              <a:rPr lang="hu-HU" dirty="0"/>
-              <a:t> </a:t>
-            </a:r>
-            <a:r>
-              <a:rPr lang="hu-HU" dirty="0" err="1"/>
-              <a:t>domain-name</a:t>
-            </a:r>
-            <a:r>
-              <a:rPr lang="hu-HU" dirty="0"/>
-              <a:t>: karacs.s6.hu</a:t>
-            </a:r>
-          </a:p>
-          <a:p>
-            <a:r>
-              <a:rPr lang="hu-HU" dirty="0" err="1"/>
-              <a:t>Username</a:t>
-            </a:r>
-            <a:r>
-              <a:rPr lang="hu-HU" dirty="0"/>
-              <a:t>: </a:t>
-            </a:r>
-            <a:r>
-              <a:rPr lang="hu-HU" dirty="0" err="1"/>
-              <a:t>admin</a:t>
-            </a:r>
-            <a:r>
-              <a:rPr lang="hu-HU" dirty="0"/>
-              <a:t> </a:t>
-            </a:r>
-            <a:r>
-              <a:rPr lang="hu-HU" dirty="0" err="1"/>
-              <a:t>password</a:t>
-            </a:r>
-            <a:r>
-              <a:rPr lang="hu-HU" dirty="0"/>
-              <a:t>: </a:t>
-            </a:r>
-            <a:r>
-              <a:rPr lang="hu-HU" dirty="0" err="1"/>
-              <a:t>cisco</a:t>
-            </a:r>
-            <a:endParaRPr lang="hu-HU" dirty="0"/>
-          </a:p>
-          <a:p>
-            <a:r>
-              <a:rPr lang="hu-HU" dirty="0" err="1"/>
-              <a:t>Ip</a:t>
-            </a:r>
-            <a:r>
-              <a:rPr lang="hu-HU" dirty="0"/>
-              <a:t> </a:t>
-            </a:r>
-            <a:r>
-              <a:rPr lang="hu-HU" dirty="0" err="1"/>
-              <a:t>default-gateway</a:t>
-            </a:r>
-            <a:r>
-              <a:rPr lang="hu-HU" dirty="0"/>
-              <a:t>: 192.168.99.1</a:t>
-            </a:r>
-          </a:p>
-          <a:p>
-            <a:endParaRPr lang="hu-HU" dirty="0"/>
-          </a:p>
-        </p:txBody>
-      </p:sp>
-    </p:spTree>
-    <p:extLst>
-      <p:ext uri="{BB962C8B-B14F-4D97-AF65-F5344CB8AC3E}">
-        <p14:creationId xmlns:p14="http://schemas.microsoft.com/office/powerpoint/2010/main" val="3048736886"/>
-      </p:ext>
-    </p:extLst>
-  </p:cSld>
-  <p:clrMapOvr>
-    <a:masterClrMapping/>
-  </p:clrMapOvr>
-</p:sld>
-</file>
-
-<file path=ppt/slides/slide9.xml><?xml version="1.0" encoding="utf-8"?>
-<p:sld xmlns:a="http://schemas.openxmlformats.org/drawingml/2006/main" xmlns:r="http://schemas.openxmlformats.org/officeDocument/2006/relationships" xmlns:p="http://schemas.openxmlformats.org/presentationml/2006/main">
-  <p:cSld>
-    <p:spTree>
-      <p:nvGrpSpPr>
-        <p:cNvPr id="1" name=""/>
-        <p:cNvGrpSpPr/>
-        <p:nvPr/>
-      </p:nvGrpSpPr>
-      <p:grpSpPr>
-        <a:xfrm>
-          <a:off x="0" y="0"/>
-          <a:ext cx="0" cy="0"/>
-          <a:chOff x="0" y="0"/>
-          <a:chExt cx="0" cy="0"/>
-        </a:xfrm>
-      </p:grpSpPr>
-      <p:sp>
-        <p:nvSpPr>
-          <p:cNvPr id="2" name="Cím 1">
-            <a:extLst>
-              <a:ext uri="{FF2B5EF4-FFF2-40B4-BE49-F238E27FC236}">
-                <a16:creationId xmlns:a16="http://schemas.microsoft.com/office/drawing/2014/main" id="{FD59F44C-2980-4AB8-8F3F-756E428048D0}"/>
-              </a:ext>
-            </a:extLst>
-          </p:cNvPr>
-          <p:cNvSpPr>
-            <a:spLocks noGrp="1"/>
-          </p:cNvSpPr>
-          <p:nvPr>
-            <p:ph type="title"/>
-          </p:nvPr>
-        </p:nvSpPr>
-        <p:spPr/>
-        <p:txBody>
-          <a:bodyPr/>
-          <a:lstStyle/>
-          <a:p>
-            <a:r>
-              <a:rPr lang="hu-HU" dirty="0"/>
-              <a:t>Alapkonfiguráció 7-es terem </a:t>
-            </a:r>
-            <a:r>
-              <a:rPr lang="hu-HU" dirty="0" err="1"/>
-              <a:t>switch</a:t>
-            </a:r>
-            <a:endParaRPr lang="hu-HU" dirty="0"/>
-          </a:p>
-        </p:txBody>
-      </p:sp>
-      <p:sp>
-        <p:nvSpPr>
-          <p:cNvPr id="3" name="Tartalom helye 2">
-            <a:extLst>
-              <a:ext uri="{FF2B5EF4-FFF2-40B4-BE49-F238E27FC236}">
-                <a16:creationId xmlns:a16="http://schemas.microsoft.com/office/drawing/2014/main" id="{926A3726-FFDB-48A6-89AF-21A4052C4934}"/>
-              </a:ext>
-            </a:extLst>
-          </p:cNvPr>
-          <p:cNvSpPr>
-            <a:spLocks noGrp="1"/>
-          </p:cNvSpPr>
-          <p:nvPr>
-            <p:ph idx="1"/>
-          </p:nvPr>
-        </p:nvSpPr>
-        <p:spPr/>
-        <p:txBody>
-          <a:bodyPr/>
-          <a:lstStyle/>
-          <a:p>
-            <a:r>
-              <a:rPr lang="hu-HU" dirty="0" err="1"/>
-              <a:t>hostname</a:t>
-            </a:r>
-            <a:r>
-              <a:rPr lang="hu-HU" dirty="0"/>
-              <a:t>: 7esterem</a:t>
-            </a:r>
-          </a:p>
-          <a:p>
-            <a:r>
-              <a:rPr lang="hu-HU" dirty="0" err="1"/>
-              <a:t>enable</a:t>
-            </a:r>
-            <a:r>
-              <a:rPr lang="hu-HU" dirty="0"/>
-              <a:t> </a:t>
-            </a:r>
-            <a:r>
-              <a:rPr lang="hu-HU" dirty="0" err="1"/>
-              <a:t>secret</a:t>
-            </a:r>
-            <a:r>
-              <a:rPr lang="hu-HU" dirty="0"/>
-              <a:t>: </a:t>
-            </a:r>
-            <a:r>
-              <a:rPr lang="hu-HU" dirty="0" err="1"/>
-              <a:t>cisco</a:t>
-            </a:r>
-            <a:endParaRPr lang="hu-HU" dirty="0"/>
-          </a:p>
-          <a:p>
-            <a:r>
-              <a:rPr lang="hu-HU" dirty="0" err="1"/>
-              <a:t>Ip</a:t>
-            </a:r>
-            <a:r>
-              <a:rPr lang="hu-HU" dirty="0"/>
-              <a:t> </a:t>
-            </a:r>
-            <a:r>
-              <a:rPr lang="hu-HU" dirty="0" err="1"/>
-              <a:t>domain-name</a:t>
-            </a:r>
-            <a:r>
-              <a:rPr lang="hu-HU" dirty="0"/>
-              <a:t>: karacs.s7.hu</a:t>
-            </a:r>
-          </a:p>
-          <a:p>
-            <a:r>
-              <a:rPr lang="hu-HU" dirty="0" err="1"/>
-              <a:t>Username</a:t>
-            </a:r>
-            <a:r>
-              <a:rPr lang="hu-HU" dirty="0"/>
-              <a:t>: </a:t>
-            </a:r>
-            <a:r>
-              <a:rPr lang="hu-HU" dirty="0" err="1"/>
-              <a:t>admin</a:t>
-            </a:r>
-            <a:r>
-              <a:rPr lang="hu-HU" dirty="0"/>
-              <a:t> </a:t>
-            </a:r>
-            <a:r>
-              <a:rPr lang="hu-HU" dirty="0" err="1"/>
-              <a:t>password</a:t>
-            </a:r>
-            <a:r>
-              <a:rPr lang="hu-HU" dirty="0"/>
-              <a:t>: </a:t>
-            </a:r>
-            <a:r>
-              <a:rPr lang="hu-HU" dirty="0" err="1"/>
-              <a:t>cisco</a:t>
-            </a:r>
-            <a:endParaRPr lang="hu-HU" dirty="0"/>
-          </a:p>
-          <a:p>
-            <a:r>
-              <a:rPr lang="hu-HU" dirty="0" err="1"/>
-              <a:t>Ip</a:t>
-            </a:r>
-            <a:r>
-              <a:rPr lang="hu-HU" dirty="0"/>
-              <a:t> </a:t>
-            </a:r>
-            <a:r>
-              <a:rPr lang="hu-HU" dirty="0" err="1"/>
-              <a:t>default-gateway</a:t>
-            </a:r>
-            <a:r>
-              <a:rPr lang="hu-HU" dirty="0"/>
-              <a:t>: 192.168.99.1</a:t>
-            </a:r>
-          </a:p>
-          <a:p>
-            <a:endParaRPr lang="hu-HU" dirty="0"/>
-          </a:p>
-        </p:txBody>
-      </p:sp>
-    </p:spTree>
-    <p:extLst>
-      <p:ext uri="{BB962C8B-B14F-4D97-AF65-F5344CB8AC3E}">
-        <p14:creationId xmlns:p14="http://schemas.microsoft.com/office/powerpoint/2010/main" val="694259058"/>
       </p:ext>
     </p:extLst>
   </p:cSld>
